--- a/img/コンテンツ.pptx
+++ b/img/コンテンツ.pptx
@@ -6,25 +6,26 @@
   </p:sldMasterIdLst>
   <p:sldIdLst>
     <p:sldId id="256" r:id="rId2"/>
-    <p:sldId id="257" r:id="rId3"/>
-    <p:sldId id="258" r:id="rId4"/>
-    <p:sldId id="259" r:id="rId5"/>
-    <p:sldId id="260" r:id="rId6"/>
-    <p:sldId id="261" r:id="rId7"/>
-    <p:sldId id="268" r:id="rId8"/>
-    <p:sldId id="282" r:id="rId9"/>
-    <p:sldId id="269" r:id="rId10"/>
-    <p:sldId id="270" r:id="rId11"/>
-    <p:sldId id="271" r:id="rId12"/>
-    <p:sldId id="272" r:id="rId13"/>
-    <p:sldId id="273" r:id="rId14"/>
-    <p:sldId id="274" r:id="rId15"/>
-    <p:sldId id="275" r:id="rId16"/>
-    <p:sldId id="276" r:id="rId17"/>
-    <p:sldId id="277" r:id="rId18"/>
-    <p:sldId id="278" r:id="rId19"/>
-    <p:sldId id="279" r:id="rId20"/>
-    <p:sldId id="280" r:id="rId21"/>
+    <p:sldId id="268" r:id="rId3"/>
+    <p:sldId id="281" r:id="rId4"/>
+    <p:sldId id="282" r:id="rId5"/>
+    <p:sldId id="283" r:id="rId6"/>
+    <p:sldId id="284" r:id="rId7"/>
+    <p:sldId id="285" r:id="rId8"/>
+    <p:sldId id="269" r:id="rId9"/>
+    <p:sldId id="275" r:id="rId10"/>
+    <p:sldId id="291" r:id="rId11"/>
+    <p:sldId id="292" r:id="rId12"/>
+    <p:sldId id="293" r:id="rId13"/>
+    <p:sldId id="286" r:id="rId14"/>
+    <p:sldId id="287" r:id="rId15"/>
+    <p:sldId id="288" r:id="rId16"/>
+    <p:sldId id="289" r:id="rId17"/>
+    <p:sldId id="290" r:id="rId18"/>
+    <p:sldId id="276" r:id="rId19"/>
+    <p:sldId id="277" r:id="rId20"/>
+    <p:sldId id="278" r:id="rId21"/>
+    <p:sldId id="280" r:id="rId22"/>
   </p:sldIdLst>
   <p:sldSz cx="12192000" cy="5219700"/>
   <p:notesSz cx="6858000" cy="9144000"/>
@@ -273,7 +274,7 @@
           <a:p>
             <a:fld id="{AF6254AE-0E7B-4A04-B1AC-9DCC40C4E75D}" type="datetimeFigureOut">
               <a:rPr kumimoji="1" lang="ja-JP" altLang="en-US" smtClean="0"/>
-              <a:t>2016/1/7</a:t>
+              <a:t>2016/1/11</a:t>
             </a:fld>
             <a:endParaRPr kumimoji="1" lang="ja-JP" altLang="en-US"/>
           </a:p>
@@ -475,7 +476,7 @@
           <a:p>
             <a:fld id="{AF6254AE-0E7B-4A04-B1AC-9DCC40C4E75D}" type="datetimeFigureOut">
               <a:rPr kumimoji="1" lang="ja-JP" altLang="en-US" smtClean="0"/>
-              <a:t>2016/1/7</a:t>
+              <a:t>2016/1/11</a:t>
             </a:fld>
             <a:endParaRPr kumimoji="1" lang="ja-JP" altLang="en-US"/>
           </a:p>
@@ -687,7 +688,7 @@
           <a:p>
             <a:fld id="{AF6254AE-0E7B-4A04-B1AC-9DCC40C4E75D}" type="datetimeFigureOut">
               <a:rPr kumimoji="1" lang="ja-JP" altLang="en-US" smtClean="0"/>
-              <a:t>2016/1/7</a:t>
+              <a:t>2016/1/11</a:t>
             </a:fld>
             <a:endParaRPr kumimoji="1" lang="ja-JP" altLang="en-US"/>
           </a:p>
@@ -889,7 +890,7 @@
           <a:p>
             <a:fld id="{AF6254AE-0E7B-4A04-B1AC-9DCC40C4E75D}" type="datetimeFigureOut">
               <a:rPr kumimoji="1" lang="ja-JP" altLang="en-US" smtClean="0"/>
-              <a:t>2016/1/7</a:t>
+              <a:t>2016/1/11</a:t>
             </a:fld>
             <a:endParaRPr kumimoji="1" lang="ja-JP" altLang="en-US"/>
           </a:p>
@@ -1135,7 +1136,7 @@
           <a:p>
             <a:fld id="{AF6254AE-0E7B-4A04-B1AC-9DCC40C4E75D}" type="datetimeFigureOut">
               <a:rPr kumimoji="1" lang="ja-JP" altLang="en-US" smtClean="0"/>
-              <a:t>2016/1/7</a:t>
+              <a:t>2016/1/11</a:t>
             </a:fld>
             <a:endParaRPr kumimoji="1" lang="ja-JP" altLang="en-US"/>
           </a:p>
@@ -1431,7 +1432,7 @@
           <a:p>
             <a:fld id="{AF6254AE-0E7B-4A04-B1AC-9DCC40C4E75D}" type="datetimeFigureOut">
               <a:rPr kumimoji="1" lang="ja-JP" altLang="en-US" smtClean="0"/>
-              <a:t>2016/1/7</a:t>
+              <a:t>2016/1/11</a:t>
             </a:fld>
             <a:endParaRPr kumimoji="1" lang="ja-JP" altLang="en-US"/>
           </a:p>
@@ -1862,7 +1863,7 @@
           <a:p>
             <a:fld id="{AF6254AE-0E7B-4A04-B1AC-9DCC40C4E75D}" type="datetimeFigureOut">
               <a:rPr kumimoji="1" lang="ja-JP" altLang="en-US" smtClean="0"/>
-              <a:t>2016/1/7</a:t>
+              <a:t>2016/1/11</a:t>
             </a:fld>
             <a:endParaRPr kumimoji="1" lang="ja-JP" altLang="en-US"/>
           </a:p>
@@ -1980,7 +1981,7 @@
           <a:p>
             <a:fld id="{AF6254AE-0E7B-4A04-B1AC-9DCC40C4E75D}" type="datetimeFigureOut">
               <a:rPr kumimoji="1" lang="ja-JP" altLang="en-US" smtClean="0"/>
-              <a:t>2016/1/7</a:t>
+              <a:t>2016/1/11</a:t>
             </a:fld>
             <a:endParaRPr kumimoji="1" lang="ja-JP" altLang="en-US"/>
           </a:p>
@@ -2075,7 +2076,7 @@
           <a:p>
             <a:fld id="{AF6254AE-0E7B-4A04-B1AC-9DCC40C4E75D}" type="datetimeFigureOut">
               <a:rPr kumimoji="1" lang="ja-JP" altLang="en-US" smtClean="0"/>
-              <a:t>2016/1/7</a:t>
+              <a:t>2016/1/11</a:t>
             </a:fld>
             <a:endParaRPr kumimoji="1" lang="ja-JP" altLang="en-US"/>
           </a:p>
@@ -2384,7 +2385,7 @@
           <a:p>
             <a:fld id="{AF6254AE-0E7B-4A04-B1AC-9DCC40C4E75D}" type="datetimeFigureOut">
               <a:rPr kumimoji="1" lang="ja-JP" altLang="en-US" smtClean="0"/>
-              <a:t>2016/1/7</a:t>
+              <a:t>2016/1/11</a:t>
             </a:fld>
             <a:endParaRPr kumimoji="1" lang="ja-JP" altLang="en-US"/>
           </a:p>
@@ -2641,7 +2642,7 @@
           <a:p>
             <a:fld id="{AF6254AE-0E7B-4A04-B1AC-9DCC40C4E75D}" type="datetimeFigureOut">
               <a:rPr kumimoji="1" lang="ja-JP" altLang="en-US" smtClean="0"/>
-              <a:t>2016/1/7</a:t>
+              <a:t>2016/1/11</a:t>
             </a:fld>
             <a:endParaRPr kumimoji="1" lang="ja-JP" altLang="en-US"/>
           </a:p>
@@ -2886,7 +2887,7 @@
           <a:p>
             <a:fld id="{AF6254AE-0E7B-4A04-B1AC-9DCC40C4E75D}" type="datetimeFigureOut">
               <a:rPr kumimoji="1" lang="ja-JP" altLang="en-US" smtClean="0"/>
-              <a:t>2016/1/7</a:t>
+              <a:t>2016/1/11</a:t>
             </a:fld>
             <a:endParaRPr kumimoji="1" lang="ja-JP" altLang="en-US"/>
           </a:p>
@@ -3390,8 +3391,8 @@
         </p:nvSpPr>
         <p:spPr>
           <a:xfrm>
-            <a:off x="0" y="908268"/>
-            <a:ext cx="12191999" cy="3631763"/>
+            <a:off x="0" y="1286411"/>
+            <a:ext cx="12191999" cy="2646878"/>
           </a:xfrm>
           <a:prstGeom prst="rect">
             <a:avLst/>
@@ -3406,7 +3407,7 @@
           <a:p>
             <a:pPr algn="ctr"/>
             <a:r>
-              <a:rPr kumimoji="1" lang="ja-JP" altLang="en-US" sz="11500" b="1" dirty="0" smtClean="0">
+              <a:rPr kumimoji="1" lang="ja-JP" altLang="en-US" sz="16600" b="1" dirty="0" smtClean="0">
                 <a:solidFill>
                   <a:schemeClr val="bg1"/>
                 </a:solidFill>
@@ -3414,34 +3415,9 @@
                 <a:ea typeface="メイリオ" panose="020B0604030504040204" pitchFamily="50" charset="-128"/>
                 <a:cs typeface="メイリオ" panose="020B0604030504040204" pitchFamily="50" charset="-128"/>
               </a:rPr>
-              <a:t>グルメ</a:t>
-            </a:r>
-            <a:r>
-              <a:rPr kumimoji="1" lang="en-US" altLang="ja-JP" sz="11500" b="1" dirty="0" smtClean="0">
-                <a:solidFill>
-                  <a:schemeClr val="bg1"/>
-                </a:solidFill>
-                <a:latin typeface="メイリオ" panose="020B0604030504040204" pitchFamily="50" charset="-128"/>
-                <a:ea typeface="メイリオ" panose="020B0604030504040204" pitchFamily="50" charset="-128"/>
-                <a:cs typeface="メイリオ" panose="020B0604030504040204" pitchFamily="50" charset="-128"/>
-              </a:rPr>
-              <a:t>/</a:t>
-            </a:r>
-          </a:p>
-          <a:p>
-            <a:pPr algn="ctr"/>
-            <a:r>
-              <a:rPr kumimoji="1" lang="ja-JP" altLang="en-US" sz="11500" b="1" dirty="0" smtClean="0">
-                <a:solidFill>
-                  <a:schemeClr val="bg1"/>
-                </a:solidFill>
-                <a:latin typeface="メイリオ" panose="020B0604030504040204" pitchFamily="50" charset="-128"/>
-                <a:ea typeface="メイリオ" panose="020B0604030504040204" pitchFamily="50" charset="-128"/>
-                <a:cs typeface="メイリオ" panose="020B0604030504040204" pitchFamily="50" charset="-128"/>
-              </a:rPr>
-              <a:t>フェスティバル</a:t>
-            </a:r>
-            <a:endParaRPr kumimoji="1" lang="ja-JP" altLang="en-US" sz="11500" b="1" dirty="0">
+              <a:t>最新投稿順</a:t>
+            </a:r>
+            <a:endParaRPr kumimoji="1" lang="ja-JP" altLang="en-US" sz="16600" b="1" dirty="0">
               <a:solidFill>
                 <a:schemeClr val="bg1"/>
               </a:solidFill>
@@ -3455,13 +3431,20 @@
     </p:spTree>
     <p:extLst>
       <p:ext uri="{BB962C8B-B14F-4D97-AF65-F5344CB8AC3E}">
-        <p14:creationId xmlns:p14="http://schemas.microsoft.com/office/powerpoint/2010/main" val="3312293755"/>
+        <p14:creationId xmlns:p14="http://schemas.microsoft.com/office/powerpoint/2010/main" val="508456866"/>
       </p:ext>
     </p:extLst>
   </p:cSld>
   <p:clrMapOvr>
     <a:masterClrMapping/>
   </p:clrMapOvr>
+  <p:timing>
+    <p:tnLst>
+      <p:par>
+        <p:cTn id="1" dur="indefinite" restart="never" nodeType="tmRoot"/>
+      </p:par>
+    </p:tnLst>
+  </p:timing>
 </p:sld>
 </file>
 
@@ -3492,13 +3475,13 @@
       </p:grpSpPr>
       <p:sp>
         <p:nvSpPr>
-          <p:cNvPr id="4" name="テキスト ボックス 3"/>
+          <p:cNvPr id="5" name="テキスト ボックス 4"/>
           <p:cNvSpPr txBox="1"/>
           <p:nvPr/>
         </p:nvSpPr>
         <p:spPr>
           <a:xfrm>
-            <a:off x="0" y="640576"/>
+            <a:off x="0" y="584200"/>
             <a:ext cx="12191999" cy="4339650"/>
           </a:xfrm>
           <a:prstGeom prst="rect">
@@ -3522,19 +3505,16 @@
                 <a:ea typeface="メイリオ" panose="020B0604030504040204" pitchFamily="50" charset="-128"/>
                 <a:cs typeface="メイリオ" panose="020B0604030504040204" pitchFamily="50" charset="-128"/>
               </a:rPr>
-              <a:t>芸術</a:t>
-            </a:r>
-            <a:r>
-              <a:rPr kumimoji="1" lang="en-US" altLang="ja-JP" sz="13800" b="1" dirty="0" smtClean="0">
-                <a:solidFill>
-                  <a:schemeClr val="bg1"/>
-                </a:solidFill>
-                <a:latin typeface="メイリオ" panose="020B0604030504040204" pitchFamily="50" charset="-128"/>
-                <a:ea typeface="メイリオ" panose="020B0604030504040204" pitchFamily="50" charset="-128"/>
-                <a:cs typeface="メイリオ" panose="020B0604030504040204" pitchFamily="50" charset="-128"/>
-              </a:rPr>
-              <a:t>/</a:t>
-            </a:r>
+              <a:t>コメント数</a:t>
+            </a:r>
+            <a:endParaRPr kumimoji="1" lang="en-US" altLang="ja-JP" sz="13800" b="1" dirty="0" smtClean="0">
+              <a:solidFill>
+                <a:schemeClr val="bg1"/>
+              </a:solidFill>
+              <a:latin typeface="メイリオ" panose="020B0604030504040204" pitchFamily="50" charset="-128"/>
+              <a:ea typeface="メイリオ" panose="020B0604030504040204" pitchFamily="50" charset="-128"/>
+              <a:cs typeface="メイリオ" panose="020B0604030504040204" pitchFamily="50" charset="-128"/>
+            </a:endParaRPr>
           </a:p>
           <a:p>
             <a:pPr algn="ctr"/>
@@ -3547,7 +3527,7 @@
                 <a:ea typeface="メイリオ" panose="020B0604030504040204" pitchFamily="50" charset="-128"/>
                 <a:cs typeface="メイリオ" panose="020B0604030504040204" pitchFamily="50" charset="-128"/>
               </a:rPr>
-              <a:t>エンタメ</a:t>
+              <a:t>多い順</a:t>
             </a:r>
             <a:endParaRPr kumimoji="1" lang="ja-JP" altLang="en-US" sz="13800" b="1" dirty="0">
               <a:solidFill>
@@ -3563,13 +3543,20 @@
     </p:spTree>
     <p:extLst>
       <p:ext uri="{BB962C8B-B14F-4D97-AF65-F5344CB8AC3E}">
-        <p14:creationId xmlns:p14="http://schemas.microsoft.com/office/powerpoint/2010/main" val="4241430000"/>
+        <p14:creationId xmlns:p14="http://schemas.microsoft.com/office/powerpoint/2010/main" val="2553169631"/>
       </p:ext>
     </p:extLst>
   </p:cSld>
   <p:clrMapOvr>
     <a:masterClrMapping/>
   </p:clrMapOvr>
+  <p:timing>
+    <p:tnLst>
+      <p:par>
+        <p:cTn id="1" dur="indefinite" restart="never" nodeType="tmRoot"/>
+      </p:par>
+    </p:tnLst>
+  </p:timing>
 </p:sld>
 </file>
 
@@ -3600,13 +3587,13 @@
       </p:grpSpPr>
       <p:sp>
         <p:nvSpPr>
-          <p:cNvPr id="4" name="テキスト ボックス 3"/>
+          <p:cNvPr id="5" name="テキスト ボックス 4"/>
           <p:cNvSpPr txBox="1"/>
           <p:nvPr/>
         </p:nvSpPr>
         <p:spPr>
           <a:xfrm>
-            <a:off x="0" y="691376"/>
+            <a:off x="0" y="440025"/>
             <a:ext cx="12191999" cy="4339650"/>
           </a:xfrm>
           <a:prstGeom prst="rect">
@@ -3630,10 +3617,21 @@
                 <a:ea typeface="メイリオ" panose="020B0604030504040204" pitchFamily="50" charset="-128"/>
                 <a:cs typeface="メイリオ" panose="020B0604030504040204" pitchFamily="50" charset="-128"/>
               </a:rPr>
-              <a:t>交流</a:t>
-            </a:r>
-            <a:r>
-              <a:rPr kumimoji="1" lang="en-US" altLang="ja-JP" sz="13800" b="1" dirty="0" smtClean="0">
+              <a:t>掲示板</a:t>
+            </a:r>
+            <a:endParaRPr kumimoji="1" lang="en-US" altLang="ja-JP" sz="13800" b="1" dirty="0" smtClean="0">
+              <a:solidFill>
+                <a:schemeClr val="bg1"/>
+              </a:solidFill>
+              <a:latin typeface="メイリオ" panose="020B0604030504040204" pitchFamily="50" charset="-128"/>
+              <a:ea typeface="メイリオ" panose="020B0604030504040204" pitchFamily="50" charset="-128"/>
+              <a:cs typeface="メイリオ" panose="020B0604030504040204" pitchFamily="50" charset="-128"/>
+            </a:endParaRPr>
+          </a:p>
+          <a:p>
+            <a:pPr algn="ctr"/>
+            <a:r>
+              <a:rPr lang="ja-JP" altLang="en-US" sz="13800" b="1" dirty="0" smtClean="0">
                 <a:solidFill>
                   <a:schemeClr val="bg1"/>
                 </a:solidFill>
@@ -3641,11 +3639,8 @@
                 <a:ea typeface="メイリオ" panose="020B0604030504040204" pitchFamily="50" charset="-128"/>
                 <a:cs typeface="メイリオ" panose="020B0604030504040204" pitchFamily="50" charset="-128"/>
               </a:rPr>
-              <a:t>/</a:t>
-            </a:r>
-          </a:p>
-          <a:p>
-            <a:pPr algn="ctr"/>
+              <a:t>作成</a:t>
+            </a:r>
             <a:r>
               <a:rPr lang="ja-JP" altLang="en-US" sz="13800" b="1" dirty="0">
                 <a:solidFill>
@@ -3655,9 +3650,9 @@
                 <a:ea typeface="メイリオ" panose="020B0604030504040204" pitchFamily="50" charset="-128"/>
                 <a:cs typeface="メイリオ" panose="020B0604030504040204" pitchFamily="50" charset="-128"/>
               </a:rPr>
-              <a:t>スポーツ</a:t>
-            </a:r>
-            <a:endParaRPr kumimoji="1" lang="ja-JP" altLang="en-US" sz="13800" b="1" dirty="0">
+              <a:t>順</a:t>
+            </a:r>
+            <a:endParaRPr kumimoji="1" lang="en-US" altLang="ja-JP" sz="13800" b="1" dirty="0" smtClean="0">
               <a:solidFill>
                 <a:schemeClr val="bg1"/>
               </a:solidFill>
@@ -3671,13 +3666,20 @@
     </p:spTree>
     <p:extLst>
       <p:ext uri="{BB962C8B-B14F-4D97-AF65-F5344CB8AC3E}">
-        <p14:creationId xmlns:p14="http://schemas.microsoft.com/office/powerpoint/2010/main" val="4243884569"/>
+        <p14:creationId xmlns:p14="http://schemas.microsoft.com/office/powerpoint/2010/main" val="2454626547"/>
       </p:ext>
     </p:extLst>
   </p:cSld>
   <p:clrMapOvr>
     <a:masterClrMapping/>
   </p:clrMapOvr>
+  <p:timing>
+    <p:tnLst>
+      <p:par>
+        <p:cTn id="1" dur="indefinite" restart="never" nodeType="tmRoot"/>
+      </p:par>
+    </p:tnLst>
+  </p:timing>
 </p:sld>
 </file>
 
@@ -3714,8 +3716,8 @@
         </p:nvSpPr>
         <p:spPr>
           <a:xfrm>
-            <a:off x="0" y="691376"/>
-            <a:ext cx="12191999" cy="4339650"/>
+            <a:off x="0" y="3726269"/>
+            <a:ext cx="12191999" cy="1323439"/>
           </a:xfrm>
           <a:prstGeom prst="rect">
             <a:avLst/>
@@ -3730,7 +3732,7 @@
           <a:p>
             <a:pPr algn="ctr"/>
             <a:r>
-              <a:rPr kumimoji="1" lang="ja-JP" altLang="en-US" sz="13800" b="1" dirty="0" smtClean="0">
+              <a:rPr kumimoji="1" lang="ja-JP" altLang="en-US" sz="8000" b="1" dirty="0" smtClean="0">
                 <a:solidFill>
                   <a:schemeClr val="bg1"/>
                 </a:solidFill>
@@ -3738,10 +3740,10 @@
                 <a:ea typeface="メイリオ" panose="020B0604030504040204" pitchFamily="50" charset="-128"/>
                 <a:cs typeface="メイリオ" panose="020B0604030504040204" pitchFamily="50" charset="-128"/>
               </a:rPr>
-              <a:t>福祉</a:t>
-            </a:r>
-            <a:r>
-              <a:rPr kumimoji="1" lang="en-US" altLang="ja-JP" sz="13800" b="1" dirty="0" smtClean="0">
+              <a:t>グルメ</a:t>
+            </a:r>
+            <a:r>
+              <a:rPr kumimoji="1" lang="en-US" altLang="ja-JP" sz="8000" b="1" dirty="0" smtClean="0">
                 <a:solidFill>
                   <a:schemeClr val="bg1"/>
                 </a:solidFill>
@@ -3751,11 +3753,8 @@
               </a:rPr>
               <a:t>/</a:t>
             </a:r>
-          </a:p>
-          <a:p>
-            <a:pPr algn="ctr"/>
-            <a:r>
-              <a:rPr lang="ja-JP" altLang="en-US" sz="13800" b="1" dirty="0" smtClean="0">
+            <a:r>
+              <a:rPr kumimoji="1" lang="ja-JP" altLang="en-US" sz="8000" b="1" dirty="0" smtClean="0">
                 <a:solidFill>
                   <a:schemeClr val="bg1"/>
                 </a:solidFill>
@@ -3763,9 +3762,9 @@
                 <a:ea typeface="メイリオ" panose="020B0604030504040204" pitchFamily="50" charset="-128"/>
                 <a:cs typeface="メイリオ" panose="020B0604030504040204" pitchFamily="50" charset="-128"/>
               </a:rPr>
-              <a:t>地域振興</a:t>
-            </a:r>
-            <a:endParaRPr kumimoji="1" lang="ja-JP" altLang="en-US" sz="13800" b="1" dirty="0">
+              <a:t>フェスティバル</a:t>
+            </a:r>
+            <a:endParaRPr kumimoji="1" lang="ja-JP" altLang="en-US" sz="8000" b="1" dirty="0">
               <a:solidFill>
                 <a:schemeClr val="bg1"/>
               </a:solidFill>
@@ -3776,16 +3775,123 @@
           </a:p>
         </p:txBody>
       </p:sp>
+      <p:sp>
+        <p:nvSpPr>
+          <p:cNvPr id="3" name="正方形/長方形 2"/>
+          <p:cNvSpPr/>
+          <p:nvPr/>
+        </p:nvSpPr>
+        <p:spPr>
+          <a:xfrm>
+            <a:off x="2283599" y="245839"/>
+            <a:ext cx="3240000" cy="3240000"/>
+          </a:xfrm>
+          <a:prstGeom prst="rect">
+            <a:avLst/>
+          </a:prstGeom>
+          <a:blipFill dpi="0" rotWithShape="1">
+            <a:blip r:embed="rId2"/>
+            <a:srcRect/>
+            <a:stretch>
+              <a:fillRect/>
+            </a:stretch>
+          </a:blipFill>
+          <a:ln>
+            <a:noFill/>
+          </a:ln>
+        </p:spPr>
+        <p:style>
+          <a:lnRef idx="2">
+            <a:schemeClr val="accent1">
+              <a:shade val="50000"/>
+            </a:schemeClr>
+          </a:lnRef>
+          <a:fillRef idx="1">
+            <a:schemeClr val="accent1"/>
+          </a:fillRef>
+          <a:effectRef idx="0">
+            <a:schemeClr val="accent1"/>
+          </a:effectRef>
+          <a:fontRef idx="minor">
+            <a:schemeClr val="lt1"/>
+          </a:fontRef>
+        </p:style>
+        <p:txBody>
+          <a:bodyPr rtlCol="0" anchor="ctr"/>
+          <a:lstStyle/>
+          <a:p>
+            <a:pPr algn="ctr"/>
+            <a:endParaRPr kumimoji="1" lang="ja-JP" altLang="en-US"/>
+          </a:p>
+        </p:txBody>
+      </p:sp>
+      <p:sp>
+        <p:nvSpPr>
+          <p:cNvPr id="4" name="正方形/長方形 3"/>
+          <p:cNvSpPr/>
+          <p:nvPr/>
+        </p:nvSpPr>
+        <p:spPr>
+          <a:xfrm>
+            <a:off x="6646931" y="245839"/>
+            <a:ext cx="3240000" cy="3240000"/>
+          </a:xfrm>
+          <a:prstGeom prst="rect">
+            <a:avLst/>
+          </a:prstGeom>
+          <a:blipFill dpi="0" rotWithShape="1">
+            <a:blip r:embed="rId3"/>
+            <a:srcRect/>
+            <a:stretch>
+              <a:fillRect/>
+            </a:stretch>
+          </a:blipFill>
+          <a:ln>
+            <a:noFill/>
+          </a:ln>
+        </p:spPr>
+        <p:style>
+          <a:lnRef idx="2">
+            <a:schemeClr val="accent1">
+              <a:shade val="50000"/>
+            </a:schemeClr>
+          </a:lnRef>
+          <a:fillRef idx="1">
+            <a:schemeClr val="accent1"/>
+          </a:fillRef>
+          <a:effectRef idx="0">
+            <a:schemeClr val="accent1"/>
+          </a:effectRef>
+          <a:fontRef idx="minor">
+            <a:schemeClr val="lt1"/>
+          </a:fontRef>
+        </p:style>
+        <p:txBody>
+          <a:bodyPr rtlCol="0" anchor="ctr"/>
+          <a:lstStyle/>
+          <a:p>
+            <a:pPr algn="ctr"/>
+            <a:endParaRPr kumimoji="1" lang="ja-JP" altLang="en-US"/>
+          </a:p>
+        </p:txBody>
+      </p:sp>
     </p:spTree>
     <p:extLst>
       <p:ext uri="{BB962C8B-B14F-4D97-AF65-F5344CB8AC3E}">
-        <p14:creationId xmlns:p14="http://schemas.microsoft.com/office/powerpoint/2010/main" val="2758561459"/>
+        <p14:creationId xmlns:p14="http://schemas.microsoft.com/office/powerpoint/2010/main" val="1332091627"/>
       </p:ext>
     </p:extLst>
   </p:cSld>
   <p:clrMapOvr>
     <a:masterClrMapping/>
   </p:clrMapOvr>
+  <p:timing>
+    <p:tnLst>
+      <p:par>
+        <p:cTn id="1" dur="indefinite" restart="never" nodeType="tmRoot"/>
+      </p:par>
+    </p:tnLst>
+  </p:timing>
 </p:sld>
 </file>
 
@@ -3822,8 +3928,8 @@
         </p:nvSpPr>
         <p:spPr>
           <a:xfrm>
-            <a:off x="1" y="716776"/>
-            <a:ext cx="12191999" cy="4339650"/>
+            <a:off x="0" y="3726269"/>
+            <a:ext cx="12191999" cy="1323439"/>
           </a:xfrm>
           <a:prstGeom prst="rect">
             <a:avLst/>
@@ -3838,7 +3944,7 @@
           <a:p>
             <a:pPr algn="ctr"/>
             <a:r>
-              <a:rPr lang="ja-JP" altLang="en-US" sz="13800" b="1" dirty="0" smtClean="0">
+              <a:rPr kumimoji="1" lang="ja-JP" altLang="en-US" sz="8000" b="1" dirty="0" smtClean="0">
                 <a:solidFill>
                   <a:schemeClr val="bg1"/>
                 </a:solidFill>
@@ -3846,10 +3952,10 @@
                 <a:ea typeface="メイリオ" panose="020B0604030504040204" pitchFamily="50" charset="-128"/>
                 <a:cs typeface="メイリオ" panose="020B0604030504040204" pitchFamily="50" charset="-128"/>
               </a:rPr>
-              <a:t>就活</a:t>
-            </a:r>
-            <a:r>
-              <a:rPr lang="en-US" altLang="ja-JP" sz="13800" b="1" dirty="0" smtClean="0">
+              <a:t>芸術</a:t>
+            </a:r>
+            <a:r>
+              <a:rPr kumimoji="1" lang="en-US" altLang="ja-JP" sz="8000" b="1" dirty="0" smtClean="0">
                 <a:solidFill>
                   <a:schemeClr val="bg1"/>
                 </a:solidFill>
@@ -3859,11 +3965,8 @@
               </a:rPr>
               <a:t>/</a:t>
             </a:r>
-          </a:p>
-          <a:p>
-            <a:pPr algn="ctr"/>
-            <a:r>
-              <a:rPr lang="ja-JP" altLang="en-US" sz="13800" b="1" dirty="0" smtClean="0">
+            <a:r>
+              <a:rPr kumimoji="1" lang="ja-JP" altLang="en-US" sz="8000" b="1" dirty="0" smtClean="0">
                 <a:solidFill>
                   <a:schemeClr val="bg1"/>
                 </a:solidFill>
@@ -3871,9 +3974,9 @@
                 <a:ea typeface="メイリオ" panose="020B0604030504040204" pitchFamily="50" charset="-128"/>
                 <a:cs typeface="メイリオ" panose="020B0604030504040204" pitchFamily="50" charset="-128"/>
               </a:rPr>
-              <a:t>キャリア</a:t>
-            </a:r>
-            <a:endParaRPr kumimoji="1" lang="ja-JP" altLang="en-US" sz="13800" b="1" dirty="0">
+              <a:t>エンタメ</a:t>
+            </a:r>
+            <a:endParaRPr kumimoji="1" lang="ja-JP" altLang="en-US" sz="8000" b="1" dirty="0">
               <a:solidFill>
                 <a:schemeClr val="bg1"/>
               </a:solidFill>
@@ -3884,16 +3987,123 @@
           </a:p>
         </p:txBody>
       </p:sp>
+      <p:sp>
+        <p:nvSpPr>
+          <p:cNvPr id="3" name="正方形/長方形 2"/>
+          <p:cNvSpPr/>
+          <p:nvPr/>
+        </p:nvSpPr>
+        <p:spPr>
+          <a:xfrm>
+            <a:off x="2283599" y="245839"/>
+            <a:ext cx="3240000" cy="3240000"/>
+          </a:xfrm>
+          <a:prstGeom prst="rect">
+            <a:avLst/>
+          </a:prstGeom>
+          <a:blipFill dpi="0" rotWithShape="1">
+            <a:blip r:embed="rId2"/>
+            <a:srcRect/>
+            <a:stretch>
+              <a:fillRect/>
+            </a:stretch>
+          </a:blipFill>
+          <a:ln>
+            <a:noFill/>
+          </a:ln>
+        </p:spPr>
+        <p:style>
+          <a:lnRef idx="2">
+            <a:schemeClr val="accent1">
+              <a:shade val="50000"/>
+            </a:schemeClr>
+          </a:lnRef>
+          <a:fillRef idx="1">
+            <a:schemeClr val="accent1"/>
+          </a:fillRef>
+          <a:effectRef idx="0">
+            <a:schemeClr val="accent1"/>
+          </a:effectRef>
+          <a:fontRef idx="minor">
+            <a:schemeClr val="lt1"/>
+          </a:fontRef>
+        </p:style>
+        <p:txBody>
+          <a:bodyPr rtlCol="0" anchor="ctr"/>
+          <a:lstStyle/>
+          <a:p>
+            <a:pPr algn="ctr"/>
+            <a:endParaRPr kumimoji="1" lang="ja-JP" altLang="en-US"/>
+          </a:p>
+        </p:txBody>
+      </p:sp>
+      <p:sp>
+        <p:nvSpPr>
+          <p:cNvPr id="4" name="正方形/長方形 3"/>
+          <p:cNvSpPr/>
+          <p:nvPr/>
+        </p:nvSpPr>
+        <p:spPr>
+          <a:xfrm>
+            <a:off x="6646931" y="245839"/>
+            <a:ext cx="3240000" cy="3240000"/>
+          </a:xfrm>
+          <a:prstGeom prst="rect">
+            <a:avLst/>
+          </a:prstGeom>
+          <a:blipFill dpi="0" rotWithShape="1">
+            <a:blip r:embed="rId3"/>
+            <a:srcRect/>
+            <a:stretch>
+              <a:fillRect/>
+            </a:stretch>
+          </a:blipFill>
+          <a:ln>
+            <a:noFill/>
+          </a:ln>
+        </p:spPr>
+        <p:style>
+          <a:lnRef idx="2">
+            <a:schemeClr val="accent1">
+              <a:shade val="50000"/>
+            </a:schemeClr>
+          </a:lnRef>
+          <a:fillRef idx="1">
+            <a:schemeClr val="accent1"/>
+          </a:fillRef>
+          <a:effectRef idx="0">
+            <a:schemeClr val="accent1"/>
+          </a:effectRef>
+          <a:fontRef idx="minor">
+            <a:schemeClr val="lt1"/>
+          </a:fontRef>
+        </p:style>
+        <p:txBody>
+          <a:bodyPr rtlCol="0" anchor="ctr"/>
+          <a:lstStyle/>
+          <a:p>
+            <a:pPr algn="ctr"/>
+            <a:endParaRPr kumimoji="1" lang="ja-JP" altLang="en-US"/>
+          </a:p>
+        </p:txBody>
+      </p:sp>
     </p:spTree>
     <p:extLst>
       <p:ext uri="{BB962C8B-B14F-4D97-AF65-F5344CB8AC3E}">
-        <p14:creationId xmlns:p14="http://schemas.microsoft.com/office/powerpoint/2010/main" val="1212518229"/>
+        <p14:creationId xmlns:p14="http://schemas.microsoft.com/office/powerpoint/2010/main" val="3576079175"/>
       </p:ext>
     </p:extLst>
   </p:cSld>
   <p:clrMapOvr>
     <a:masterClrMapping/>
   </p:clrMapOvr>
+  <p:timing>
+    <p:tnLst>
+      <p:par>
+        <p:cTn id="1" dur="indefinite" restart="never" nodeType="tmRoot"/>
+      </p:par>
+    </p:tnLst>
+  </p:timing>
 </p:sld>
 </file>
 
@@ -3930,8 +4140,8 @@
         </p:nvSpPr>
         <p:spPr>
           <a:xfrm>
-            <a:off x="0" y="584200"/>
-            <a:ext cx="12191999" cy="4339650"/>
+            <a:off x="0" y="3726269"/>
+            <a:ext cx="12191999" cy="1323439"/>
           </a:xfrm>
           <a:prstGeom prst="rect">
             <a:avLst/>
@@ -3946,7 +4156,7 @@
           <a:p>
             <a:pPr algn="ctr"/>
             <a:r>
-              <a:rPr kumimoji="1" lang="ja-JP" altLang="en-US" sz="13800" b="1" dirty="0" smtClean="0">
+              <a:rPr kumimoji="1" lang="ja-JP" altLang="en-US" sz="8000" b="1" dirty="0" smtClean="0">
                 <a:solidFill>
                   <a:schemeClr val="bg1"/>
                 </a:solidFill>
@@ -3954,9 +4164,31 @@
                 <a:ea typeface="メイリオ" panose="020B0604030504040204" pitchFamily="50" charset="-128"/>
                 <a:cs typeface="メイリオ" panose="020B0604030504040204" pitchFamily="50" charset="-128"/>
               </a:rPr>
-              <a:t>掲示板を</a:t>
-            </a:r>
-            <a:endParaRPr kumimoji="1" lang="en-US" altLang="ja-JP" sz="13800" b="1" dirty="0" smtClean="0">
+              <a:t>交流</a:t>
+            </a:r>
+            <a:r>
+              <a:rPr kumimoji="1" lang="en-US" altLang="ja-JP" sz="8000" b="1" dirty="0" smtClean="0">
+                <a:solidFill>
+                  <a:schemeClr val="bg1"/>
+                </a:solidFill>
+                <a:latin typeface="メイリオ" panose="020B0604030504040204" pitchFamily="50" charset="-128"/>
+                <a:ea typeface="メイリオ" panose="020B0604030504040204" pitchFamily="50" charset="-128"/>
+                <a:cs typeface="メイリオ" panose="020B0604030504040204" pitchFamily="50" charset="-128"/>
+              </a:rPr>
+              <a:t>/</a:t>
+            </a:r>
+            <a:r>
+              <a:rPr kumimoji="1" lang="ja-JP" altLang="en-US" sz="8000" b="1" dirty="0" smtClean="0">
+                <a:solidFill>
+                  <a:schemeClr val="bg1"/>
+                </a:solidFill>
+                <a:latin typeface="メイリオ" panose="020B0604030504040204" pitchFamily="50" charset="-128"/>
+                <a:ea typeface="メイリオ" panose="020B0604030504040204" pitchFamily="50" charset="-128"/>
+                <a:cs typeface="メイリオ" panose="020B0604030504040204" pitchFamily="50" charset="-128"/>
+              </a:rPr>
+              <a:t>スポーツ</a:t>
+            </a:r>
+            <a:endParaRPr kumimoji="1" lang="ja-JP" altLang="en-US" sz="8000" b="1" dirty="0">
               <a:solidFill>
                 <a:schemeClr val="bg1"/>
               </a:solidFill>
@@ -3965,51 +4197,125 @@
               <a:cs typeface="メイリオ" panose="020B0604030504040204" pitchFamily="50" charset="-128"/>
             </a:endParaRPr>
           </a:p>
+        </p:txBody>
+      </p:sp>
+      <p:sp>
+        <p:nvSpPr>
+          <p:cNvPr id="3" name="正方形/長方形 2"/>
+          <p:cNvSpPr/>
+          <p:nvPr/>
+        </p:nvSpPr>
+        <p:spPr>
+          <a:xfrm>
+            <a:off x="2283599" y="245839"/>
+            <a:ext cx="3240000" cy="3240000"/>
+          </a:xfrm>
+          <a:prstGeom prst="rect">
+            <a:avLst/>
+          </a:prstGeom>
+          <a:blipFill dpi="0" rotWithShape="1">
+            <a:blip r:embed="rId2"/>
+            <a:srcRect/>
+            <a:stretch>
+              <a:fillRect/>
+            </a:stretch>
+          </a:blipFill>
+          <a:ln>
+            <a:noFill/>
+          </a:ln>
+        </p:spPr>
+        <p:style>
+          <a:lnRef idx="2">
+            <a:schemeClr val="accent1">
+              <a:shade val="50000"/>
+            </a:schemeClr>
+          </a:lnRef>
+          <a:fillRef idx="1">
+            <a:schemeClr val="accent1"/>
+          </a:fillRef>
+          <a:effectRef idx="0">
+            <a:schemeClr val="accent1"/>
+          </a:effectRef>
+          <a:fontRef idx="minor">
+            <a:schemeClr val="lt1"/>
+          </a:fontRef>
+        </p:style>
+        <p:txBody>
+          <a:bodyPr rtlCol="0" anchor="ctr"/>
+          <a:lstStyle/>
           <a:p>
             <a:pPr algn="ctr"/>
-            <a:r>
-              <a:rPr lang="ja-JP" altLang="en-US" sz="13800" b="1" dirty="0">
-                <a:solidFill>
-                  <a:schemeClr val="bg1"/>
-                </a:solidFill>
-                <a:latin typeface="メイリオ" panose="020B0604030504040204" pitchFamily="50" charset="-128"/>
-                <a:ea typeface="メイリオ" panose="020B0604030504040204" pitchFamily="50" charset="-128"/>
-                <a:cs typeface="メイリオ" panose="020B0604030504040204" pitchFamily="50" charset="-128"/>
-              </a:rPr>
-              <a:t>作成</a:t>
-            </a:r>
-            <a:r>
-              <a:rPr lang="ja-JP" altLang="en-US" sz="13800" b="1" dirty="0" smtClean="0">
-                <a:solidFill>
-                  <a:schemeClr val="bg1"/>
-                </a:solidFill>
-                <a:latin typeface="メイリオ" panose="020B0604030504040204" pitchFamily="50" charset="-128"/>
-                <a:ea typeface="メイリオ" panose="020B0604030504040204" pitchFamily="50" charset="-128"/>
-                <a:cs typeface="メイリオ" panose="020B0604030504040204" pitchFamily="50" charset="-128"/>
-              </a:rPr>
-              <a:t>する</a:t>
-            </a:r>
-            <a:endParaRPr kumimoji="1" lang="ja-JP" altLang="en-US" sz="13800" b="1" dirty="0">
-              <a:solidFill>
-                <a:schemeClr val="bg1"/>
-              </a:solidFill>
-              <a:latin typeface="メイリオ" panose="020B0604030504040204" pitchFamily="50" charset="-128"/>
-              <a:ea typeface="メイリオ" panose="020B0604030504040204" pitchFamily="50" charset="-128"/>
-              <a:cs typeface="メイリオ" panose="020B0604030504040204" pitchFamily="50" charset="-128"/>
-            </a:endParaRPr>
+            <a:endParaRPr kumimoji="1" lang="ja-JP" altLang="en-US"/>
+          </a:p>
+        </p:txBody>
+      </p:sp>
+      <p:sp>
+        <p:nvSpPr>
+          <p:cNvPr id="4" name="正方形/長方形 3"/>
+          <p:cNvSpPr/>
+          <p:nvPr/>
+        </p:nvSpPr>
+        <p:spPr>
+          <a:xfrm>
+            <a:off x="6646931" y="245839"/>
+            <a:ext cx="3240000" cy="3240000"/>
+          </a:xfrm>
+          <a:prstGeom prst="rect">
+            <a:avLst/>
+          </a:prstGeom>
+          <a:blipFill dpi="0" rotWithShape="1">
+            <a:blip r:embed="rId3"/>
+            <a:srcRect/>
+            <a:stretch>
+              <a:fillRect/>
+            </a:stretch>
+          </a:blipFill>
+          <a:ln>
+            <a:noFill/>
+          </a:ln>
+        </p:spPr>
+        <p:style>
+          <a:lnRef idx="2">
+            <a:schemeClr val="accent1">
+              <a:shade val="50000"/>
+            </a:schemeClr>
+          </a:lnRef>
+          <a:fillRef idx="1">
+            <a:schemeClr val="accent1"/>
+          </a:fillRef>
+          <a:effectRef idx="0">
+            <a:schemeClr val="accent1"/>
+          </a:effectRef>
+          <a:fontRef idx="minor">
+            <a:schemeClr val="lt1"/>
+          </a:fontRef>
+        </p:style>
+        <p:txBody>
+          <a:bodyPr rtlCol="0" anchor="ctr"/>
+          <a:lstStyle/>
+          <a:p>
+            <a:pPr algn="ctr"/>
+            <a:endParaRPr kumimoji="1" lang="ja-JP" altLang="en-US"/>
           </a:p>
         </p:txBody>
       </p:sp>
     </p:spTree>
     <p:extLst>
       <p:ext uri="{BB962C8B-B14F-4D97-AF65-F5344CB8AC3E}">
-        <p14:creationId xmlns:p14="http://schemas.microsoft.com/office/powerpoint/2010/main" val="1879118517"/>
+        <p14:creationId xmlns:p14="http://schemas.microsoft.com/office/powerpoint/2010/main" val="3779853697"/>
       </p:ext>
     </p:extLst>
   </p:cSld>
   <p:clrMapOvr>
     <a:masterClrMapping/>
   </p:clrMapOvr>
+  <p:timing>
+    <p:tnLst>
+      <p:par>
+        <p:cTn id="1" dur="indefinite" restart="never" nodeType="tmRoot"/>
+      </p:par>
+    </p:tnLst>
+  </p:timing>
 </p:sld>
 </file>
 
@@ -4019,7 +4325,7 @@
     <p:bg>
       <p:bgPr>
         <a:solidFill>
-          <a:srgbClr val="DFBD42"/>
+          <a:srgbClr val="7DC691"/>
         </a:solidFill>
         <a:effectLst/>
       </p:bgPr>
@@ -4040,14 +4346,14 @@
       </p:grpSpPr>
       <p:sp>
         <p:nvSpPr>
-          <p:cNvPr id="4" name="テキスト ボックス 3"/>
+          <p:cNvPr id="5" name="テキスト ボックス 4"/>
           <p:cNvSpPr txBox="1"/>
           <p:nvPr/>
         </p:nvSpPr>
         <p:spPr>
           <a:xfrm>
-            <a:off x="0" y="1359718"/>
-            <a:ext cx="12191999" cy="3154710"/>
+            <a:off x="0" y="3726269"/>
+            <a:ext cx="12191999" cy="1323439"/>
           </a:xfrm>
           <a:prstGeom prst="rect">
             <a:avLst/>
@@ -4062,7 +4368,7 @@
           <a:p>
             <a:pPr algn="ctr"/>
             <a:r>
-              <a:rPr kumimoji="1" lang="ja-JP" altLang="en-US" sz="19900" b="1" dirty="0" smtClean="0">
+              <a:rPr kumimoji="1" lang="ja-JP" altLang="en-US" sz="8000" b="1" dirty="0" smtClean="0">
                 <a:solidFill>
                   <a:schemeClr val="bg1"/>
                 </a:solidFill>
@@ -4070,9 +4376,31 @@
                 <a:ea typeface="メイリオ" panose="020B0604030504040204" pitchFamily="50" charset="-128"/>
                 <a:cs typeface="メイリオ" panose="020B0604030504040204" pitchFamily="50" charset="-128"/>
               </a:rPr>
-              <a:t>イベント</a:t>
-            </a:r>
-            <a:endParaRPr kumimoji="1" lang="ja-JP" altLang="en-US" sz="19900" b="1" dirty="0">
+              <a:t>福祉</a:t>
+            </a:r>
+            <a:r>
+              <a:rPr kumimoji="1" lang="en-US" altLang="ja-JP" sz="8000" b="1" dirty="0" smtClean="0">
+                <a:solidFill>
+                  <a:schemeClr val="bg1"/>
+                </a:solidFill>
+                <a:latin typeface="メイリオ" panose="020B0604030504040204" pitchFamily="50" charset="-128"/>
+                <a:ea typeface="メイリオ" panose="020B0604030504040204" pitchFamily="50" charset="-128"/>
+                <a:cs typeface="メイリオ" panose="020B0604030504040204" pitchFamily="50" charset="-128"/>
+              </a:rPr>
+              <a:t>/</a:t>
+            </a:r>
+            <a:r>
+              <a:rPr kumimoji="1" lang="ja-JP" altLang="en-US" sz="8000" b="1" dirty="0" smtClean="0">
+                <a:solidFill>
+                  <a:schemeClr val="bg1"/>
+                </a:solidFill>
+                <a:latin typeface="メイリオ" panose="020B0604030504040204" pitchFamily="50" charset="-128"/>
+                <a:ea typeface="メイリオ" panose="020B0604030504040204" pitchFamily="50" charset="-128"/>
+                <a:cs typeface="メイリオ" panose="020B0604030504040204" pitchFamily="50" charset="-128"/>
+              </a:rPr>
+              <a:t>地域振興</a:t>
+            </a:r>
+            <a:endParaRPr kumimoji="1" lang="ja-JP" altLang="en-US" sz="8000" b="1" dirty="0">
               <a:solidFill>
                 <a:schemeClr val="bg1"/>
               </a:solidFill>
@@ -4083,16 +4411,123 @@
           </a:p>
         </p:txBody>
       </p:sp>
+      <p:sp>
+        <p:nvSpPr>
+          <p:cNvPr id="3" name="正方形/長方形 2"/>
+          <p:cNvSpPr/>
+          <p:nvPr/>
+        </p:nvSpPr>
+        <p:spPr>
+          <a:xfrm>
+            <a:off x="2283599" y="245839"/>
+            <a:ext cx="3240000" cy="3240000"/>
+          </a:xfrm>
+          <a:prstGeom prst="rect">
+            <a:avLst/>
+          </a:prstGeom>
+          <a:blipFill dpi="0" rotWithShape="1">
+            <a:blip r:embed="rId2"/>
+            <a:srcRect/>
+            <a:stretch>
+              <a:fillRect/>
+            </a:stretch>
+          </a:blipFill>
+          <a:ln>
+            <a:noFill/>
+          </a:ln>
+        </p:spPr>
+        <p:style>
+          <a:lnRef idx="2">
+            <a:schemeClr val="accent1">
+              <a:shade val="50000"/>
+            </a:schemeClr>
+          </a:lnRef>
+          <a:fillRef idx="1">
+            <a:schemeClr val="accent1"/>
+          </a:fillRef>
+          <a:effectRef idx="0">
+            <a:schemeClr val="accent1"/>
+          </a:effectRef>
+          <a:fontRef idx="minor">
+            <a:schemeClr val="lt1"/>
+          </a:fontRef>
+        </p:style>
+        <p:txBody>
+          <a:bodyPr rtlCol="0" anchor="ctr"/>
+          <a:lstStyle/>
+          <a:p>
+            <a:pPr algn="ctr"/>
+            <a:endParaRPr kumimoji="1" lang="ja-JP" altLang="en-US"/>
+          </a:p>
+        </p:txBody>
+      </p:sp>
+      <p:sp>
+        <p:nvSpPr>
+          <p:cNvPr id="4" name="正方形/長方形 3"/>
+          <p:cNvSpPr/>
+          <p:nvPr/>
+        </p:nvSpPr>
+        <p:spPr>
+          <a:xfrm>
+            <a:off x="6646931" y="245839"/>
+            <a:ext cx="3240000" cy="3240000"/>
+          </a:xfrm>
+          <a:prstGeom prst="rect">
+            <a:avLst/>
+          </a:prstGeom>
+          <a:blipFill dpi="0" rotWithShape="1">
+            <a:blip r:embed="rId3"/>
+            <a:srcRect/>
+            <a:stretch>
+              <a:fillRect/>
+            </a:stretch>
+          </a:blipFill>
+          <a:ln>
+            <a:noFill/>
+          </a:ln>
+        </p:spPr>
+        <p:style>
+          <a:lnRef idx="2">
+            <a:schemeClr val="accent1">
+              <a:shade val="50000"/>
+            </a:schemeClr>
+          </a:lnRef>
+          <a:fillRef idx="1">
+            <a:schemeClr val="accent1"/>
+          </a:fillRef>
+          <a:effectRef idx="0">
+            <a:schemeClr val="accent1"/>
+          </a:effectRef>
+          <a:fontRef idx="minor">
+            <a:schemeClr val="lt1"/>
+          </a:fontRef>
+        </p:style>
+        <p:txBody>
+          <a:bodyPr rtlCol="0" anchor="ctr"/>
+          <a:lstStyle/>
+          <a:p>
+            <a:pPr algn="ctr"/>
+            <a:endParaRPr kumimoji="1" lang="ja-JP" altLang="en-US"/>
+          </a:p>
+        </p:txBody>
+      </p:sp>
     </p:spTree>
     <p:extLst>
       <p:ext uri="{BB962C8B-B14F-4D97-AF65-F5344CB8AC3E}">
-        <p14:creationId xmlns:p14="http://schemas.microsoft.com/office/powerpoint/2010/main" val="536959209"/>
+        <p14:creationId xmlns:p14="http://schemas.microsoft.com/office/powerpoint/2010/main" val="642135108"/>
       </p:ext>
     </p:extLst>
   </p:cSld>
   <p:clrMapOvr>
     <a:masterClrMapping/>
   </p:clrMapOvr>
+  <p:timing>
+    <p:tnLst>
+      <p:par>
+        <p:cTn id="1" dur="indefinite" restart="never" nodeType="tmRoot"/>
+      </p:par>
+    </p:tnLst>
+  </p:timing>
 </p:sld>
 </file>
 
@@ -4123,14 +4558,14 @@
       </p:grpSpPr>
       <p:sp>
         <p:nvSpPr>
-          <p:cNvPr id="4" name="テキスト ボックス 3"/>
+          <p:cNvPr id="5" name="テキスト ボックス 4"/>
           <p:cNvSpPr txBox="1"/>
           <p:nvPr/>
         </p:nvSpPr>
         <p:spPr>
           <a:xfrm>
-            <a:off x="0" y="1359718"/>
-            <a:ext cx="12191999" cy="3154710"/>
+            <a:off x="0" y="3726269"/>
+            <a:ext cx="12191999" cy="1323439"/>
           </a:xfrm>
           <a:prstGeom prst="rect">
             <a:avLst/>
@@ -4145,7 +4580,7 @@
           <a:p>
             <a:pPr algn="ctr"/>
             <a:r>
-              <a:rPr kumimoji="1" lang="ja-JP" altLang="en-US" sz="19900" b="1" dirty="0" smtClean="0">
+              <a:rPr lang="ja-JP" altLang="en-US" sz="8000" b="1" dirty="0" smtClean="0">
                 <a:solidFill>
                   <a:schemeClr val="bg1"/>
                 </a:solidFill>
@@ -4153,9 +4588,31 @@
                 <a:ea typeface="メイリオ" panose="020B0604030504040204" pitchFamily="50" charset="-128"/>
                 <a:cs typeface="メイリオ" panose="020B0604030504040204" pitchFamily="50" charset="-128"/>
               </a:rPr>
-              <a:t>掲示板</a:t>
-            </a:r>
-            <a:endParaRPr kumimoji="1" lang="ja-JP" altLang="en-US" sz="19900" b="1" dirty="0">
+              <a:t>就活</a:t>
+            </a:r>
+            <a:r>
+              <a:rPr kumimoji="1" lang="en-US" altLang="ja-JP" sz="8000" b="1" dirty="0" smtClean="0">
+                <a:solidFill>
+                  <a:schemeClr val="bg1"/>
+                </a:solidFill>
+                <a:latin typeface="メイリオ" panose="020B0604030504040204" pitchFamily="50" charset="-128"/>
+                <a:ea typeface="メイリオ" panose="020B0604030504040204" pitchFamily="50" charset="-128"/>
+                <a:cs typeface="メイリオ" panose="020B0604030504040204" pitchFamily="50" charset="-128"/>
+              </a:rPr>
+              <a:t>/</a:t>
+            </a:r>
+            <a:r>
+              <a:rPr kumimoji="1" lang="ja-JP" altLang="en-US" sz="8000" b="1" dirty="0" smtClean="0">
+                <a:solidFill>
+                  <a:schemeClr val="bg1"/>
+                </a:solidFill>
+                <a:latin typeface="メイリオ" panose="020B0604030504040204" pitchFamily="50" charset="-128"/>
+                <a:ea typeface="メイリオ" panose="020B0604030504040204" pitchFamily="50" charset="-128"/>
+                <a:cs typeface="メイリオ" panose="020B0604030504040204" pitchFamily="50" charset="-128"/>
+              </a:rPr>
+              <a:t>キャリア</a:t>
+            </a:r>
+            <a:endParaRPr kumimoji="1" lang="ja-JP" altLang="en-US" sz="8000" b="1" dirty="0">
               <a:solidFill>
                 <a:schemeClr val="bg1"/>
               </a:solidFill>
@@ -4166,16 +4623,123 @@
           </a:p>
         </p:txBody>
       </p:sp>
+      <p:sp>
+        <p:nvSpPr>
+          <p:cNvPr id="3" name="正方形/長方形 2"/>
+          <p:cNvSpPr/>
+          <p:nvPr/>
+        </p:nvSpPr>
+        <p:spPr>
+          <a:xfrm>
+            <a:off x="2283599" y="245839"/>
+            <a:ext cx="3240000" cy="3240000"/>
+          </a:xfrm>
+          <a:prstGeom prst="rect">
+            <a:avLst/>
+          </a:prstGeom>
+          <a:blipFill dpi="0" rotWithShape="1">
+            <a:blip r:embed="rId2"/>
+            <a:srcRect/>
+            <a:stretch>
+              <a:fillRect/>
+            </a:stretch>
+          </a:blipFill>
+          <a:ln>
+            <a:noFill/>
+          </a:ln>
+        </p:spPr>
+        <p:style>
+          <a:lnRef idx="2">
+            <a:schemeClr val="accent1">
+              <a:shade val="50000"/>
+            </a:schemeClr>
+          </a:lnRef>
+          <a:fillRef idx="1">
+            <a:schemeClr val="accent1"/>
+          </a:fillRef>
+          <a:effectRef idx="0">
+            <a:schemeClr val="accent1"/>
+          </a:effectRef>
+          <a:fontRef idx="minor">
+            <a:schemeClr val="lt1"/>
+          </a:fontRef>
+        </p:style>
+        <p:txBody>
+          <a:bodyPr rtlCol="0" anchor="ctr"/>
+          <a:lstStyle/>
+          <a:p>
+            <a:pPr algn="ctr"/>
+            <a:endParaRPr kumimoji="1" lang="ja-JP" altLang="en-US"/>
+          </a:p>
+        </p:txBody>
+      </p:sp>
+      <p:sp>
+        <p:nvSpPr>
+          <p:cNvPr id="4" name="正方形/長方形 3"/>
+          <p:cNvSpPr/>
+          <p:nvPr/>
+        </p:nvSpPr>
+        <p:spPr>
+          <a:xfrm>
+            <a:off x="6646931" y="245839"/>
+            <a:ext cx="3240000" cy="3240000"/>
+          </a:xfrm>
+          <a:prstGeom prst="rect">
+            <a:avLst/>
+          </a:prstGeom>
+          <a:blipFill dpi="0" rotWithShape="1">
+            <a:blip r:embed="rId3"/>
+            <a:srcRect/>
+            <a:stretch>
+              <a:fillRect/>
+            </a:stretch>
+          </a:blipFill>
+          <a:ln>
+            <a:noFill/>
+          </a:ln>
+        </p:spPr>
+        <p:style>
+          <a:lnRef idx="2">
+            <a:schemeClr val="accent1">
+              <a:shade val="50000"/>
+            </a:schemeClr>
+          </a:lnRef>
+          <a:fillRef idx="1">
+            <a:schemeClr val="accent1"/>
+          </a:fillRef>
+          <a:effectRef idx="0">
+            <a:schemeClr val="accent1"/>
+          </a:effectRef>
+          <a:fontRef idx="minor">
+            <a:schemeClr val="lt1"/>
+          </a:fontRef>
+        </p:style>
+        <p:txBody>
+          <a:bodyPr rtlCol="0" anchor="ctr"/>
+          <a:lstStyle/>
+          <a:p>
+            <a:pPr algn="ctr"/>
+            <a:endParaRPr kumimoji="1" lang="ja-JP" altLang="en-US"/>
+          </a:p>
+        </p:txBody>
+      </p:sp>
     </p:spTree>
     <p:extLst>
       <p:ext uri="{BB962C8B-B14F-4D97-AF65-F5344CB8AC3E}">
-        <p14:creationId xmlns:p14="http://schemas.microsoft.com/office/powerpoint/2010/main" val="2998943610"/>
+        <p14:creationId xmlns:p14="http://schemas.microsoft.com/office/powerpoint/2010/main" val="2806789170"/>
       </p:ext>
     </p:extLst>
   </p:cSld>
   <p:clrMapOvr>
     <a:masterClrMapping/>
   </p:clrMapOvr>
+  <p:timing>
+    <p:tnLst>
+      <p:par>
+        <p:cTn id="1" dur="indefinite" restart="never" nodeType="tmRoot"/>
+      </p:par>
+    </p:tnLst>
+  </p:timing>
 </p:sld>
 </file>
 
@@ -4185,7 +4749,7 @@
     <p:bg>
       <p:bgPr>
         <a:solidFill>
-          <a:srgbClr val="6FC0D1"/>
+          <a:srgbClr val="DFBD42"/>
         </a:solidFill>
         <a:effectLst/>
       </p:bgPr>
@@ -4206,6 +4770,58 @@
       </p:grpSpPr>
       <p:sp>
         <p:nvSpPr>
+          <p:cNvPr id="2" name="正方形/長方形 1"/>
+          <p:cNvSpPr/>
+          <p:nvPr/>
+        </p:nvSpPr>
+        <p:spPr>
+          <a:xfrm>
+            <a:off x="3485999" y="0"/>
+            <a:ext cx="5220000" cy="5219700"/>
+          </a:xfrm>
+          <a:prstGeom prst="rect">
+            <a:avLst/>
+          </a:prstGeom>
+          <a:blipFill dpi="0" rotWithShape="1">
+            <a:blip r:embed="rId2">
+              <a:alphaModFix amt="10000"/>
+            </a:blip>
+            <a:srcRect/>
+            <a:stretch>
+              <a:fillRect/>
+            </a:stretch>
+          </a:blipFill>
+          <a:ln>
+            <a:noFill/>
+          </a:ln>
+        </p:spPr>
+        <p:style>
+          <a:lnRef idx="2">
+            <a:schemeClr val="accent1">
+              <a:shade val="50000"/>
+            </a:schemeClr>
+          </a:lnRef>
+          <a:fillRef idx="1">
+            <a:schemeClr val="accent1"/>
+          </a:fillRef>
+          <a:effectRef idx="0">
+            <a:schemeClr val="accent1"/>
+          </a:effectRef>
+          <a:fontRef idx="minor">
+            <a:schemeClr val="lt1"/>
+          </a:fontRef>
+        </p:style>
+        <p:txBody>
+          <a:bodyPr rtlCol="0" anchor="ctr"/>
+          <a:lstStyle/>
+          <a:p>
+            <a:pPr algn="ctr"/>
+            <a:endParaRPr kumimoji="1" lang="ja-JP" altLang="en-US"/>
+          </a:p>
+        </p:txBody>
+      </p:sp>
+      <p:sp>
+        <p:nvSpPr>
           <p:cNvPr id="4" name="テキスト ボックス 3"/>
           <p:cNvSpPr txBox="1"/>
           <p:nvPr/>
@@ -4236,7 +4852,7 @@
                 <a:ea typeface="メイリオ" panose="020B0604030504040204" pitchFamily="50" charset="-128"/>
                 <a:cs typeface="メイリオ" panose="020B0604030504040204" pitchFamily="50" charset="-128"/>
               </a:rPr>
-              <a:t>検索</a:t>
+              <a:t>イベント</a:t>
             </a:r>
             <a:endParaRPr kumimoji="1" lang="ja-JP" altLang="en-US" sz="19900" b="1" dirty="0">
               <a:solidFill>
@@ -4252,13 +4868,20 @@
     </p:spTree>
     <p:extLst>
       <p:ext uri="{BB962C8B-B14F-4D97-AF65-F5344CB8AC3E}">
-        <p14:creationId xmlns:p14="http://schemas.microsoft.com/office/powerpoint/2010/main" val="3415187391"/>
+        <p14:creationId xmlns:p14="http://schemas.microsoft.com/office/powerpoint/2010/main" val="536959209"/>
       </p:ext>
     </p:extLst>
   </p:cSld>
   <p:clrMapOvr>
     <a:masterClrMapping/>
   </p:clrMapOvr>
+  <p:timing>
+    <p:tnLst>
+      <p:par>
+        <p:cTn id="1" dur="indefinite" restart="never" nodeType="tmRoot"/>
+      </p:par>
+    </p:tnLst>
+  </p:timing>
 </p:sld>
 </file>
 
@@ -4268,7 +4891,7 @@
     <p:bg>
       <p:bgPr>
         <a:solidFill>
-          <a:srgbClr val="D98E64"/>
+          <a:srgbClr val="7DC691"/>
         </a:solidFill>
         <a:effectLst/>
       </p:bgPr>
@@ -4289,6 +4912,58 @@
       </p:grpSpPr>
       <p:sp>
         <p:nvSpPr>
+          <p:cNvPr id="3" name="正方形/長方形 2"/>
+          <p:cNvSpPr/>
+          <p:nvPr/>
+        </p:nvSpPr>
+        <p:spPr>
+          <a:xfrm>
+            <a:off x="3485999" y="0"/>
+            <a:ext cx="5220000" cy="5219700"/>
+          </a:xfrm>
+          <a:prstGeom prst="rect">
+            <a:avLst/>
+          </a:prstGeom>
+          <a:blipFill dpi="0" rotWithShape="1">
+            <a:blip r:embed="rId2">
+              <a:alphaModFix amt="10000"/>
+            </a:blip>
+            <a:srcRect/>
+            <a:stretch>
+              <a:fillRect/>
+            </a:stretch>
+          </a:blipFill>
+          <a:ln>
+            <a:noFill/>
+          </a:ln>
+        </p:spPr>
+        <p:style>
+          <a:lnRef idx="2">
+            <a:schemeClr val="accent1">
+              <a:shade val="50000"/>
+            </a:schemeClr>
+          </a:lnRef>
+          <a:fillRef idx="1">
+            <a:schemeClr val="accent1"/>
+          </a:fillRef>
+          <a:effectRef idx="0">
+            <a:schemeClr val="accent1"/>
+          </a:effectRef>
+          <a:fontRef idx="minor">
+            <a:schemeClr val="lt1"/>
+          </a:fontRef>
+        </p:style>
+        <p:txBody>
+          <a:bodyPr rtlCol="0" anchor="ctr"/>
+          <a:lstStyle/>
+          <a:p>
+            <a:pPr algn="ctr"/>
+            <a:endParaRPr kumimoji="1" lang="ja-JP" altLang="en-US"/>
+          </a:p>
+        </p:txBody>
+      </p:sp>
+      <p:sp>
+        <p:nvSpPr>
           <p:cNvPr id="4" name="テキスト ボックス 3"/>
           <p:cNvSpPr txBox="1"/>
           <p:nvPr/>
@@ -4311,7 +4986,7 @@
           <a:p>
             <a:pPr algn="ctr"/>
             <a:r>
-              <a:rPr kumimoji="1" lang="en-US" altLang="ja-JP" sz="19900" b="1" dirty="0" smtClean="0">
+              <a:rPr kumimoji="1" lang="ja-JP" altLang="en-US" sz="19900" b="1" dirty="0" smtClean="0">
                 <a:solidFill>
                   <a:schemeClr val="bg1"/>
                 </a:solidFill>
@@ -4319,7 +4994,7 @@
                 <a:ea typeface="メイリオ" panose="020B0604030504040204" pitchFamily="50" charset="-128"/>
                 <a:cs typeface="メイリオ" panose="020B0604030504040204" pitchFamily="50" charset="-128"/>
               </a:rPr>
-              <a:t>DM</a:t>
+              <a:t>掲示板</a:t>
             </a:r>
             <a:endParaRPr kumimoji="1" lang="ja-JP" altLang="en-US" sz="19900" b="1" dirty="0">
               <a:solidFill>
@@ -4335,13 +5010,20 @@
     </p:spTree>
     <p:extLst>
       <p:ext uri="{BB962C8B-B14F-4D97-AF65-F5344CB8AC3E}">
-        <p14:creationId xmlns:p14="http://schemas.microsoft.com/office/powerpoint/2010/main" val="1716805886"/>
+        <p14:creationId xmlns:p14="http://schemas.microsoft.com/office/powerpoint/2010/main" val="2998943610"/>
       </p:ext>
     </p:extLst>
   </p:cSld>
   <p:clrMapOvr>
     <a:masterClrMapping/>
   </p:clrMapOvr>
+  <p:timing>
+    <p:tnLst>
+      <p:par>
+        <p:cTn id="1" dur="indefinite" restart="never" nodeType="tmRoot"/>
+      </p:par>
+    </p:tnLst>
+  </p:timing>
 </p:sld>
 </file>
 
@@ -4378,8 +5060,8 @@
         </p:nvSpPr>
         <p:spPr>
           <a:xfrm>
-            <a:off x="0" y="908268"/>
-            <a:ext cx="12191999" cy="3631763"/>
+            <a:off x="0" y="584200"/>
+            <a:ext cx="12191999" cy="4339650"/>
           </a:xfrm>
           <a:prstGeom prst="rect">
             <a:avLst/>
@@ -4394,7 +5076,7 @@
           <a:p>
             <a:pPr algn="ctr"/>
             <a:r>
-              <a:rPr kumimoji="1" lang="ja-JP" altLang="en-US" sz="11500" b="1" dirty="0" smtClean="0">
+              <a:rPr kumimoji="1" lang="ja-JP" altLang="en-US" sz="13800" b="1" dirty="0" smtClean="0">
                 <a:solidFill>
                   <a:schemeClr val="bg1"/>
                 </a:solidFill>
@@ -4402,10 +5084,21 @@
                 <a:ea typeface="メイリオ" panose="020B0604030504040204" pitchFamily="50" charset="-128"/>
                 <a:cs typeface="メイリオ" panose="020B0604030504040204" pitchFamily="50" charset="-128"/>
               </a:rPr>
-              <a:t>グルメ</a:t>
-            </a:r>
-            <a:r>
-              <a:rPr kumimoji="1" lang="en-US" altLang="ja-JP" sz="11500" b="1" dirty="0" smtClean="0">
+              <a:t>イベントを</a:t>
+            </a:r>
+            <a:endParaRPr kumimoji="1" lang="en-US" altLang="ja-JP" sz="13800" b="1" dirty="0" smtClean="0">
+              <a:solidFill>
+                <a:schemeClr val="bg1"/>
+              </a:solidFill>
+              <a:latin typeface="メイリオ" panose="020B0604030504040204" pitchFamily="50" charset="-128"/>
+              <a:ea typeface="メイリオ" panose="020B0604030504040204" pitchFamily="50" charset="-128"/>
+              <a:cs typeface="メイリオ" panose="020B0604030504040204" pitchFamily="50" charset="-128"/>
+            </a:endParaRPr>
+          </a:p>
+          <a:p>
+            <a:pPr algn="ctr"/>
+            <a:r>
+              <a:rPr lang="ja-JP" altLang="en-US" sz="13800" b="1" dirty="0">
                 <a:solidFill>
                   <a:schemeClr val="bg1"/>
                 </a:solidFill>
@@ -4413,13 +5106,10 @@
                 <a:ea typeface="メイリオ" panose="020B0604030504040204" pitchFamily="50" charset="-128"/>
                 <a:cs typeface="メイリオ" panose="020B0604030504040204" pitchFamily="50" charset="-128"/>
               </a:rPr>
-              <a:t>/</a:t>
-            </a:r>
-          </a:p>
-          <a:p>
-            <a:pPr algn="ctr"/>
-            <a:r>
-              <a:rPr kumimoji="1" lang="ja-JP" altLang="en-US" sz="11500" b="1" dirty="0" smtClean="0">
+              <a:t>立ち上</a:t>
+            </a:r>
+            <a:r>
+              <a:rPr lang="ja-JP" altLang="en-US" sz="13800" b="1" dirty="0" smtClean="0">
                 <a:solidFill>
                   <a:schemeClr val="bg1"/>
                 </a:solidFill>
@@ -4427,9 +5117,9 @@
                 <a:ea typeface="メイリオ" panose="020B0604030504040204" pitchFamily="50" charset="-128"/>
                 <a:cs typeface="メイリオ" panose="020B0604030504040204" pitchFamily="50" charset="-128"/>
               </a:rPr>
-              <a:t>フェスティバル</a:t>
-            </a:r>
-            <a:endParaRPr kumimoji="1" lang="ja-JP" altLang="en-US" sz="11500" b="1" dirty="0">
+              <a:t>げる</a:t>
+            </a:r>
+            <a:endParaRPr kumimoji="1" lang="ja-JP" altLang="en-US" sz="13800" b="1" dirty="0">
               <a:solidFill>
                 <a:schemeClr val="bg1"/>
               </a:solidFill>
@@ -4443,7 +5133,7 @@
     </p:spTree>
     <p:extLst>
       <p:ext uri="{BB962C8B-B14F-4D97-AF65-F5344CB8AC3E}">
-        <p14:creationId xmlns:p14="http://schemas.microsoft.com/office/powerpoint/2010/main" val="440173975"/>
+        <p14:creationId xmlns:p14="http://schemas.microsoft.com/office/powerpoint/2010/main" val="1405003659"/>
       </p:ext>
     </p:extLst>
   </p:cSld>
@@ -4454,6 +5144,148 @@
 </file>
 
 <file path=ppt/slides/slide20.xml><?xml version="1.0" encoding="utf-8"?>
+<p:sld xmlns:a="http://schemas.openxmlformats.org/drawingml/2006/main" xmlns:r="http://schemas.openxmlformats.org/officeDocument/2006/relationships" xmlns:p="http://schemas.openxmlformats.org/presentationml/2006/main">
+  <p:cSld>
+    <p:bg>
+      <p:bgPr>
+        <a:solidFill>
+          <a:srgbClr val="6FC0D1"/>
+        </a:solidFill>
+        <a:effectLst/>
+      </p:bgPr>
+    </p:bg>
+    <p:spTree>
+      <p:nvGrpSpPr>
+        <p:cNvPr id="1" name=""/>
+        <p:cNvGrpSpPr/>
+        <p:nvPr/>
+      </p:nvGrpSpPr>
+      <p:grpSpPr>
+        <a:xfrm>
+          <a:off x="0" y="0"/>
+          <a:ext cx="0" cy="0"/>
+          <a:chOff x="0" y="0"/>
+          <a:chExt cx="0" cy="0"/>
+        </a:xfrm>
+      </p:grpSpPr>
+      <p:sp>
+        <p:nvSpPr>
+          <p:cNvPr id="3" name="正方形/長方形 2"/>
+          <p:cNvSpPr/>
+          <p:nvPr/>
+        </p:nvSpPr>
+        <p:spPr>
+          <a:xfrm>
+            <a:off x="3485999" y="0"/>
+            <a:ext cx="5220000" cy="5219700"/>
+          </a:xfrm>
+          <a:prstGeom prst="rect">
+            <a:avLst/>
+          </a:prstGeom>
+          <a:blipFill dpi="0" rotWithShape="1">
+            <a:blip r:embed="rId2">
+              <a:alphaModFix amt="10000"/>
+            </a:blip>
+            <a:srcRect/>
+            <a:stretch>
+              <a:fillRect/>
+            </a:stretch>
+          </a:blipFill>
+          <a:ln>
+            <a:noFill/>
+          </a:ln>
+        </p:spPr>
+        <p:style>
+          <a:lnRef idx="2">
+            <a:schemeClr val="accent1">
+              <a:shade val="50000"/>
+            </a:schemeClr>
+          </a:lnRef>
+          <a:fillRef idx="1">
+            <a:schemeClr val="accent1"/>
+          </a:fillRef>
+          <a:effectRef idx="0">
+            <a:schemeClr val="accent1"/>
+          </a:effectRef>
+          <a:fontRef idx="minor">
+            <a:schemeClr val="lt1"/>
+          </a:fontRef>
+        </p:style>
+        <p:txBody>
+          <a:bodyPr rtlCol="0" anchor="ctr"/>
+          <a:lstStyle/>
+          <a:p>
+            <a:pPr algn="ctr"/>
+            <a:endParaRPr kumimoji="1" lang="ja-JP" altLang="en-US"/>
+          </a:p>
+        </p:txBody>
+      </p:sp>
+      <p:sp>
+        <p:nvSpPr>
+          <p:cNvPr id="4" name="テキスト ボックス 3"/>
+          <p:cNvSpPr txBox="1"/>
+          <p:nvPr/>
+        </p:nvSpPr>
+        <p:spPr>
+          <a:xfrm>
+            <a:off x="0" y="1359718"/>
+            <a:ext cx="12191999" cy="3154710"/>
+          </a:xfrm>
+          <a:prstGeom prst="rect">
+            <a:avLst/>
+          </a:prstGeom>
+          <a:noFill/>
+        </p:spPr>
+        <p:txBody>
+          <a:bodyPr wrap="square" rtlCol="0">
+            <a:spAutoFit/>
+          </a:bodyPr>
+          <a:lstStyle/>
+          <a:p>
+            <a:pPr algn="ctr"/>
+            <a:r>
+              <a:rPr kumimoji="1" lang="ja-JP" altLang="en-US" sz="19900" b="1" dirty="0" smtClean="0">
+                <a:solidFill>
+                  <a:schemeClr val="bg1"/>
+                </a:solidFill>
+                <a:latin typeface="メイリオ" panose="020B0604030504040204" pitchFamily="50" charset="-128"/>
+                <a:ea typeface="メイリオ" panose="020B0604030504040204" pitchFamily="50" charset="-128"/>
+                <a:cs typeface="メイリオ" panose="020B0604030504040204" pitchFamily="50" charset="-128"/>
+              </a:rPr>
+              <a:t>検索</a:t>
+            </a:r>
+            <a:endParaRPr kumimoji="1" lang="ja-JP" altLang="en-US" sz="19900" b="1" dirty="0">
+              <a:solidFill>
+                <a:schemeClr val="bg1"/>
+              </a:solidFill>
+              <a:latin typeface="メイリオ" panose="020B0604030504040204" pitchFamily="50" charset="-128"/>
+              <a:ea typeface="メイリオ" panose="020B0604030504040204" pitchFamily="50" charset="-128"/>
+              <a:cs typeface="メイリオ" panose="020B0604030504040204" pitchFamily="50" charset="-128"/>
+            </a:endParaRPr>
+          </a:p>
+        </p:txBody>
+      </p:sp>
+    </p:spTree>
+    <p:extLst>
+      <p:ext uri="{BB962C8B-B14F-4D97-AF65-F5344CB8AC3E}">
+        <p14:creationId xmlns:p14="http://schemas.microsoft.com/office/powerpoint/2010/main" val="3415187391"/>
+      </p:ext>
+    </p:extLst>
+  </p:cSld>
+  <p:clrMapOvr>
+    <a:masterClrMapping/>
+  </p:clrMapOvr>
+  <p:timing>
+    <p:tnLst>
+      <p:par>
+        <p:cTn id="1" dur="indefinite" restart="never" nodeType="tmRoot"/>
+      </p:par>
+    </p:tnLst>
+  </p:timing>
+</p:sld>
+</file>
+
+<file path=ppt/slides/slide21.xml><?xml version="1.0" encoding="utf-8"?>
 <p:sld xmlns:a="http://schemas.openxmlformats.org/drawingml/2006/main" xmlns:r="http://schemas.openxmlformats.org/officeDocument/2006/relationships" xmlns:p="http://schemas.openxmlformats.org/presentationml/2006/main">
   <p:cSld>
     <p:bg>
@@ -4480,6 +5312,58 @@
       </p:grpSpPr>
       <p:sp>
         <p:nvSpPr>
+          <p:cNvPr id="3" name="正方形/長方形 2"/>
+          <p:cNvSpPr/>
+          <p:nvPr/>
+        </p:nvSpPr>
+        <p:spPr>
+          <a:xfrm>
+            <a:off x="3485999" y="0"/>
+            <a:ext cx="5220000" cy="5219700"/>
+          </a:xfrm>
+          <a:prstGeom prst="rect">
+            <a:avLst/>
+          </a:prstGeom>
+          <a:blipFill dpi="0" rotWithShape="1">
+            <a:blip r:embed="rId2">
+              <a:alphaModFix amt="10000"/>
+            </a:blip>
+            <a:srcRect/>
+            <a:stretch>
+              <a:fillRect/>
+            </a:stretch>
+          </a:blipFill>
+          <a:ln>
+            <a:noFill/>
+          </a:ln>
+        </p:spPr>
+        <p:style>
+          <a:lnRef idx="2">
+            <a:schemeClr val="accent1">
+              <a:shade val="50000"/>
+            </a:schemeClr>
+          </a:lnRef>
+          <a:fillRef idx="1">
+            <a:schemeClr val="accent1"/>
+          </a:fillRef>
+          <a:effectRef idx="0">
+            <a:schemeClr val="accent1"/>
+          </a:effectRef>
+          <a:fontRef idx="minor">
+            <a:schemeClr val="lt1"/>
+          </a:fontRef>
+        </p:style>
+        <p:txBody>
+          <a:bodyPr rtlCol="0" anchor="ctr"/>
+          <a:lstStyle/>
+          <a:p>
+            <a:pPr algn="ctr"/>
+            <a:endParaRPr kumimoji="1" lang="ja-JP" altLang="en-US"/>
+          </a:p>
+        </p:txBody>
+      </p:sp>
+      <p:sp>
+        <p:nvSpPr>
           <p:cNvPr id="4" name="テキスト ボックス 3"/>
           <p:cNvSpPr txBox="1"/>
           <p:nvPr/>
@@ -4533,6 +5417,13 @@
   <p:clrMapOvr>
     <a:masterClrMapping/>
   </p:clrMapOvr>
+  <p:timing>
+    <p:tnLst>
+      <p:par>
+        <p:cTn id="1" dur="indefinite" restart="never" nodeType="tmRoot"/>
+      </p:par>
+    </p:tnLst>
+  </p:timing>
 </p:sld>
 </file>
 
@@ -4563,14 +5454,14 @@
       </p:grpSpPr>
       <p:sp>
         <p:nvSpPr>
-          <p:cNvPr id="4" name="テキスト ボックス 3"/>
+          <p:cNvPr id="5" name="テキスト ボックス 4"/>
           <p:cNvSpPr txBox="1"/>
           <p:nvPr/>
         </p:nvSpPr>
         <p:spPr>
           <a:xfrm>
-            <a:off x="0" y="640576"/>
-            <a:ext cx="12191999" cy="4339650"/>
+            <a:off x="0" y="3726269"/>
+            <a:ext cx="12191999" cy="1323439"/>
           </a:xfrm>
           <a:prstGeom prst="rect">
             <a:avLst/>
@@ -4585,7 +5476,7 @@
           <a:p>
             <a:pPr algn="ctr"/>
             <a:r>
-              <a:rPr kumimoji="1" lang="ja-JP" altLang="en-US" sz="13800" b="1" dirty="0" smtClean="0">
+              <a:rPr kumimoji="1" lang="ja-JP" altLang="en-US" sz="8000" b="1" dirty="0" smtClean="0">
                 <a:solidFill>
                   <a:schemeClr val="bg1"/>
                 </a:solidFill>
@@ -4593,10 +5484,10 @@
                 <a:ea typeface="メイリオ" panose="020B0604030504040204" pitchFamily="50" charset="-128"/>
                 <a:cs typeface="メイリオ" panose="020B0604030504040204" pitchFamily="50" charset="-128"/>
               </a:rPr>
-              <a:t>芸術</a:t>
-            </a:r>
-            <a:r>
-              <a:rPr kumimoji="1" lang="en-US" altLang="ja-JP" sz="13800" b="1" dirty="0" smtClean="0">
+              <a:t>グルメ</a:t>
+            </a:r>
+            <a:r>
+              <a:rPr kumimoji="1" lang="en-US" altLang="ja-JP" sz="8000" b="1" dirty="0" smtClean="0">
                 <a:solidFill>
                   <a:schemeClr val="bg1"/>
                 </a:solidFill>
@@ -4606,11 +5497,8 @@
               </a:rPr>
               <a:t>/</a:t>
             </a:r>
-          </a:p>
-          <a:p>
-            <a:pPr algn="ctr"/>
-            <a:r>
-              <a:rPr kumimoji="1" lang="ja-JP" altLang="en-US" sz="13800" b="1" dirty="0" smtClean="0">
+            <a:r>
+              <a:rPr kumimoji="1" lang="ja-JP" altLang="en-US" sz="8000" b="1" dirty="0" smtClean="0">
                 <a:solidFill>
                   <a:schemeClr val="bg1"/>
                 </a:solidFill>
@@ -4618,9 +5506,9 @@
                 <a:ea typeface="メイリオ" panose="020B0604030504040204" pitchFamily="50" charset="-128"/>
                 <a:cs typeface="メイリオ" panose="020B0604030504040204" pitchFamily="50" charset="-128"/>
               </a:rPr>
-              <a:t>エンタメ</a:t>
-            </a:r>
-            <a:endParaRPr kumimoji="1" lang="ja-JP" altLang="en-US" sz="13800" b="1" dirty="0">
+              <a:t>フェスティバル</a:t>
+            </a:r>
+            <a:endParaRPr kumimoji="1" lang="ja-JP" altLang="en-US" sz="8000" b="1" dirty="0">
               <a:solidFill>
                 <a:schemeClr val="bg1"/>
               </a:solidFill>
@@ -4631,16 +5519,123 @@
           </a:p>
         </p:txBody>
       </p:sp>
+      <p:sp>
+        <p:nvSpPr>
+          <p:cNvPr id="3" name="正方形/長方形 2"/>
+          <p:cNvSpPr/>
+          <p:nvPr/>
+        </p:nvSpPr>
+        <p:spPr>
+          <a:xfrm>
+            <a:off x="2283599" y="245839"/>
+            <a:ext cx="3240000" cy="3240000"/>
+          </a:xfrm>
+          <a:prstGeom prst="rect">
+            <a:avLst/>
+          </a:prstGeom>
+          <a:blipFill dpi="0" rotWithShape="1">
+            <a:blip r:embed="rId2"/>
+            <a:srcRect/>
+            <a:stretch>
+              <a:fillRect/>
+            </a:stretch>
+          </a:blipFill>
+          <a:ln>
+            <a:noFill/>
+          </a:ln>
+        </p:spPr>
+        <p:style>
+          <a:lnRef idx="2">
+            <a:schemeClr val="accent1">
+              <a:shade val="50000"/>
+            </a:schemeClr>
+          </a:lnRef>
+          <a:fillRef idx="1">
+            <a:schemeClr val="accent1"/>
+          </a:fillRef>
+          <a:effectRef idx="0">
+            <a:schemeClr val="accent1"/>
+          </a:effectRef>
+          <a:fontRef idx="minor">
+            <a:schemeClr val="lt1"/>
+          </a:fontRef>
+        </p:style>
+        <p:txBody>
+          <a:bodyPr rtlCol="0" anchor="ctr"/>
+          <a:lstStyle/>
+          <a:p>
+            <a:pPr algn="ctr"/>
+            <a:endParaRPr kumimoji="1" lang="ja-JP" altLang="en-US"/>
+          </a:p>
+        </p:txBody>
+      </p:sp>
+      <p:sp>
+        <p:nvSpPr>
+          <p:cNvPr id="4" name="正方形/長方形 3"/>
+          <p:cNvSpPr/>
+          <p:nvPr/>
+        </p:nvSpPr>
+        <p:spPr>
+          <a:xfrm>
+            <a:off x="6646931" y="245839"/>
+            <a:ext cx="3240000" cy="3240000"/>
+          </a:xfrm>
+          <a:prstGeom prst="rect">
+            <a:avLst/>
+          </a:prstGeom>
+          <a:blipFill dpi="0" rotWithShape="1">
+            <a:blip r:embed="rId3"/>
+            <a:srcRect/>
+            <a:stretch>
+              <a:fillRect/>
+            </a:stretch>
+          </a:blipFill>
+          <a:ln>
+            <a:noFill/>
+          </a:ln>
+        </p:spPr>
+        <p:style>
+          <a:lnRef idx="2">
+            <a:schemeClr val="accent1">
+              <a:shade val="50000"/>
+            </a:schemeClr>
+          </a:lnRef>
+          <a:fillRef idx="1">
+            <a:schemeClr val="accent1"/>
+          </a:fillRef>
+          <a:effectRef idx="0">
+            <a:schemeClr val="accent1"/>
+          </a:effectRef>
+          <a:fontRef idx="minor">
+            <a:schemeClr val="lt1"/>
+          </a:fontRef>
+        </p:style>
+        <p:txBody>
+          <a:bodyPr rtlCol="0" anchor="ctr"/>
+          <a:lstStyle/>
+          <a:p>
+            <a:pPr algn="ctr"/>
+            <a:endParaRPr kumimoji="1" lang="ja-JP" altLang="en-US"/>
+          </a:p>
+        </p:txBody>
+      </p:sp>
     </p:spTree>
     <p:extLst>
       <p:ext uri="{BB962C8B-B14F-4D97-AF65-F5344CB8AC3E}">
-        <p14:creationId xmlns:p14="http://schemas.microsoft.com/office/powerpoint/2010/main" val="722037949"/>
+        <p14:creationId xmlns:p14="http://schemas.microsoft.com/office/powerpoint/2010/main" val="2169001714"/>
       </p:ext>
     </p:extLst>
   </p:cSld>
   <p:clrMapOvr>
     <a:masterClrMapping/>
   </p:clrMapOvr>
+  <p:timing>
+    <p:tnLst>
+      <p:par>
+        <p:cTn id="1" dur="indefinite" restart="never" nodeType="tmRoot"/>
+      </p:par>
+    </p:tnLst>
+  </p:timing>
 </p:sld>
 </file>
 
@@ -4671,14 +5666,14 @@
       </p:grpSpPr>
       <p:sp>
         <p:nvSpPr>
-          <p:cNvPr id="4" name="テキスト ボックス 3"/>
+          <p:cNvPr id="5" name="テキスト ボックス 4"/>
           <p:cNvSpPr txBox="1"/>
           <p:nvPr/>
         </p:nvSpPr>
         <p:spPr>
           <a:xfrm>
-            <a:off x="0" y="691376"/>
-            <a:ext cx="12191999" cy="4339650"/>
+            <a:off x="0" y="3726269"/>
+            <a:ext cx="12191999" cy="1323439"/>
           </a:xfrm>
           <a:prstGeom prst="rect">
             <a:avLst/>
@@ -4693,7 +5688,7 @@
           <a:p>
             <a:pPr algn="ctr"/>
             <a:r>
-              <a:rPr kumimoji="1" lang="ja-JP" altLang="en-US" sz="13800" b="1" dirty="0" smtClean="0">
+              <a:rPr kumimoji="1" lang="ja-JP" altLang="en-US" sz="8000" b="1" dirty="0" smtClean="0">
                 <a:solidFill>
                   <a:schemeClr val="bg1"/>
                 </a:solidFill>
@@ -4701,10 +5696,10 @@
                 <a:ea typeface="メイリオ" panose="020B0604030504040204" pitchFamily="50" charset="-128"/>
                 <a:cs typeface="メイリオ" panose="020B0604030504040204" pitchFamily="50" charset="-128"/>
               </a:rPr>
-              <a:t>交流</a:t>
-            </a:r>
-            <a:r>
-              <a:rPr kumimoji="1" lang="en-US" altLang="ja-JP" sz="13800" b="1" dirty="0" smtClean="0">
+              <a:t>芸術</a:t>
+            </a:r>
+            <a:r>
+              <a:rPr kumimoji="1" lang="en-US" altLang="ja-JP" sz="8000" b="1" dirty="0" smtClean="0">
                 <a:solidFill>
                   <a:schemeClr val="bg1"/>
                 </a:solidFill>
@@ -4714,11 +5709,8 @@
               </a:rPr>
               <a:t>/</a:t>
             </a:r>
-          </a:p>
-          <a:p>
-            <a:pPr algn="ctr"/>
-            <a:r>
-              <a:rPr lang="ja-JP" altLang="en-US" sz="13800" b="1" dirty="0">
+            <a:r>
+              <a:rPr kumimoji="1" lang="ja-JP" altLang="en-US" sz="8000" b="1" dirty="0" smtClean="0">
                 <a:solidFill>
                   <a:schemeClr val="bg1"/>
                 </a:solidFill>
@@ -4726,9 +5718,9 @@
                 <a:ea typeface="メイリオ" panose="020B0604030504040204" pitchFamily="50" charset="-128"/>
                 <a:cs typeface="メイリオ" panose="020B0604030504040204" pitchFamily="50" charset="-128"/>
               </a:rPr>
-              <a:t>スポーツ</a:t>
-            </a:r>
-            <a:endParaRPr kumimoji="1" lang="ja-JP" altLang="en-US" sz="13800" b="1" dirty="0">
+              <a:t>エンタメ</a:t>
+            </a:r>
+            <a:endParaRPr kumimoji="1" lang="ja-JP" altLang="en-US" sz="8000" b="1" dirty="0">
               <a:solidFill>
                 <a:schemeClr val="bg1"/>
               </a:solidFill>
@@ -4739,16 +5731,123 @@
           </a:p>
         </p:txBody>
       </p:sp>
+      <p:sp>
+        <p:nvSpPr>
+          <p:cNvPr id="3" name="正方形/長方形 2"/>
+          <p:cNvSpPr/>
+          <p:nvPr/>
+        </p:nvSpPr>
+        <p:spPr>
+          <a:xfrm>
+            <a:off x="2283599" y="245839"/>
+            <a:ext cx="3240000" cy="3240000"/>
+          </a:xfrm>
+          <a:prstGeom prst="rect">
+            <a:avLst/>
+          </a:prstGeom>
+          <a:blipFill dpi="0" rotWithShape="1">
+            <a:blip r:embed="rId2"/>
+            <a:srcRect/>
+            <a:stretch>
+              <a:fillRect/>
+            </a:stretch>
+          </a:blipFill>
+          <a:ln>
+            <a:noFill/>
+          </a:ln>
+        </p:spPr>
+        <p:style>
+          <a:lnRef idx="2">
+            <a:schemeClr val="accent1">
+              <a:shade val="50000"/>
+            </a:schemeClr>
+          </a:lnRef>
+          <a:fillRef idx="1">
+            <a:schemeClr val="accent1"/>
+          </a:fillRef>
+          <a:effectRef idx="0">
+            <a:schemeClr val="accent1"/>
+          </a:effectRef>
+          <a:fontRef idx="minor">
+            <a:schemeClr val="lt1"/>
+          </a:fontRef>
+        </p:style>
+        <p:txBody>
+          <a:bodyPr rtlCol="0" anchor="ctr"/>
+          <a:lstStyle/>
+          <a:p>
+            <a:pPr algn="ctr"/>
+            <a:endParaRPr kumimoji="1" lang="ja-JP" altLang="en-US"/>
+          </a:p>
+        </p:txBody>
+      </p:sp>
+      <p:sp>
+        <p:nvSpPr>
+          <p:cNvPr id="4" name="正方形/長方形 3"/>
+          <p:cNvSpPr/>
+          <p:nvPr/>
+        </p:nvSpPr>
+        <p:spPr>
+          <a:xfrm>
+            <a:off x="6646931" y="245839"/>
+            <a:ext cx="3240000" cy="3240000"/>
+          </a:xfrm>
+          <a:prstGeom prst="rect">
+            <a:avLst/>
+          </a:prstGeom>
+          <a:blipFill dpi="0" rotWithShape="1">
+            <a:blip r:embed="rId3"/>
+            <a:srcRect/>
+            <a:stretch>
+              <a:fillRect/>
+            </a:stretch>
+          </a:blipFill>
+          <a:ln>
+            <a:noFill/>
+          </a:ln>
+        </p:spPr>
+        <p:style>
+          <a:lnRef idx="2">
+            <a:schemeClr val="accent1">
+              <a:shade val="50000"/>
+            </a:schemeClr>
+          </a:lnRef>
+          <a:fillRef idx="1">
+            <a:schemeClr val="accent1"/>
+          </a:fillRef>
+          <a:effectRef idx="0">
+            <a:schemeClr val="accent1"/>
+          </a:effectRef>
+          <a:fontRef idx="minor">
+            <a:schemeClr val="lt1"/>
+          </a:fontRef>
+        </p:style>
+        <p:txBody>
+          <a:bodyPr rtlCol="0" anchor="ctr"/>
+          <a:lstStyle/>
+          <a:p>
+            <a:pPr algn="ctr"/>
+            <a:endParaRPr kumimoji="1" lang="ja-JP" altLang="en-US"/>
+          </a:p>
+        </p:txBody>
+      </p:sp>
     </p:spTree>
     <p:extLst>
       <p:ext uri="{BB962C8B-B14F-4D97-AF65-F5344CB8AC3E}">
-        <p14:creationId xmlns:p14="http://schemas.microsoft.com/office/powerpoint/2010/main" val="3207422399"/>
+        <p14:creationId xmlns:p14="http://schemas.microsoft.com/office/powerpoint/2010/main" val="3336270849"/>
       </p:ext>
     </p:extLst>
   </p:cSld>
   <p:clrMapOvr>
     <a:masterClrMapping/>
   </p:clrMapOvr>
+  <p:timing>
+    <p:tnLst>
+      <p:par>
+        <p:cTn id="1" dur="indefinite" restart="never" nodeType="tmRoot"/>
+      </p:par>
+    </p:tnLst>
+  </p:timing>
 </p:sld>
 </file>
 
@@ -4785,8 +5884,8 @@
         </p:nvSpPr>
         <p:spPr>
           <a:xfrm>
-            <a:off x="0" y="691376"/>
-            <a:ext cx="12191999" cy="4339650"/>
+            <a:off x="0" y="3726269"/>
+            <a:ext cx="12191999" cy="1323439"/>
           </a:xfrm>
           <a:prstGeom prst="rect">
             <a:avLst/>
@@ -4801,7 +5900,7 @@
           <a:p>
             <a:pPr algn="ctr"/>
             <a:r>
-              <a:rPr kumimoji="1" lang="ja-JP" altLang="en-US" sz="13800" b="1" dirty="0" smtClean="0">
+              <a:rPr kumimoji="1" lang="ja-JP" altLang="en-US" sz="8000" b="1" dirty="0" smtClean="0">
                 <a:solidFill>
                   <a:schemeClr val="bg1"/>
                 </a:solidFill>
@@ -4809,10 +5908,10 @@
                 <a:ea typeface="メイリオ" panose="020B0604030504040204" pitchFamily="50" charset="-128"/>
                 <a:cs typeface="メイリオ" panose="020B0604030504040204" pitchFamily="50" charset="-128"/>
               </a:rPr>
-              <a:t>福祉</a:t>
-            </a:r>
-            <a:r>
-              <a:rPr kumimoji="1" lang="en-US" altLang="ja-JP" sz="13800" b="1" dirty="0" smtClean="0">
+              <a:t>交流</a:t>
+            </a:r>
+            <a:r>
+              <a:rPr kumimoji="1" lang="en-US" altLang="ja-JP" sz="8000" b="1" dirty="0" smtClean="0">
                 <a:solidFill>
                   <a:schemeClr val="bg1"/>
                 </a:solidFill>
@@ -4822,11 +5921,8 @@
               </a:rPr>
               <a:t>/</a:t>
             </a:r>
-          </a:p>
-          <a:p>
-            <a:pPr algn="ctr"/>
-            <a:r>
-              <a:rPr lang="ja-JP" altLang="en-US" sz="13800" b="1" dirty="0" smtClean="0">
+            <a:r>
+              <a:rPr kumimoji="1" lang="ja-JP" altLang="en-US" sz="8000" b="1" dirty="0" smtClean="0">
                 <a:solidFill>
                   <a:schemeClr val="bg1"/>
                 </a:solidFill>
@@ -4834,9 +5930,9 @@
                 <a:ea typeface="メイリオ" panose="020B0604030504040204" pitchFamily="50" charset="-128"/>
                 <a:cs typeface="メイリオ" panose="020B0604030504040204" pitchFamily="50" charset="-128"/>
               </a:rPr>
-              <a:t>地域振興</a:t>
-            </a:r>
-            <a:endParaRPr kumimoji="1" lang="ja-JP" altLang="en-US" sz="13800" b="1" dirty="0">
+              <a:t>スポーツ</a:t>
+            </a:r>
+            <a:endParaRPr kumimoji="1" lang="ja-JP" altLang="en-US" sz="8000" b="1" dirty="0">
               <a:solidFill>
                 <a:schemeClr val="bg1"/>
               </a:solidFill>
@@ -4847,16 +5943,123 @@
           </a:p>
         </p:txBody>
       </p:sp>
+      <p:sp>
+        <p:nvSpPr>
+          <p:cNvPr id="3" name="正方形/長方形 2"/>
+          <p:cNvSpPr/>
+          <p:nvPr/>
+        </p:nvSpPr>
+        <p:spPr>
+          <a:xfrm>
+            <a:off x="2283599" y="245839"/>
+            <a:ext cx="3240000" cy="3240000"/>
+          </a:xfrm>
+          <a:prstGeom prst="rect">
+            <a:avLst/>
+          </a:prstGeom>
+          <a:blipFill dpi="0" rotWithShape="1">
+            <a:blip r:embed="rId2"/>
+            <a:srcRect/>
+            <a:stretch>
+              <a:fillRect/>
+            </a:stretch>
+          </a:blipFill>
+          <a:ln>
+            <a:noFill/>
+          </a:ln>
+        </p:spPr>
+        <p:style>
+          <a:lnRef idx="2">
+            <a:schemeClr val="accent1">
+              <a:shade val="50000"/>
+            </a:schemeClr>
+          </a:lnRef>
+          <a:fillRef idx="1">
+            <a:schemeClr val="accent1"/>
+          </a:fillRef>
+          <a:effectRef idx="0">
+            <a:schemeClr val="accent1"/>
+          </a:effectRef>
+          <a:fontRef idx="minor">
+            <a:schemeClr val="lt1"/>
+          </a:fontRef>
+        </p:style>
+        <p:txBody>
+          <a:bodyPr rtlCol="0" anchor="ctr"/>
+          <a:lstStyle/>
+          <a:p>
+            <a:pPr algn="ctr"/>
+            <a:endParaRPr kumimoji="1" lang="ja-JP" altLang="en-US"/>
+          </a:p>
+        </p:txBody>
+      </p:sp>
+      <p:sp>
+        <p:nvSpPr>
+          <p:cNvPr id="4" name="正方形/長方形 3"/>
+          <p:cNvSpPr/>
+          <p:nvPr/>
+        </p:nvSpPr>
+        <p:spPr>
+          <a:xfrm>
+            <a:off x="6646931" y="245839"/>
+            <a:ext cx="3240000" cy="3240000"/>
+          </a:xfrm>
+          <a:prstGeom prst="rect">
+            <a:avLst/>
+          </a:prstGeom>
+          <a:blipFill dpi="0" rotWithShape="1">
+            <a:blip r:embed="rId3"/>
+            <a:srcRect/>
+            <a:stretch>
+              <a:fillRect/>
+            </a:stretch>
+          </a:blipFill>
+          <a:ln>
+            <a:noFill/>
+          </a:ln>
+        </p:spPr>
+        <p:style>
+          <a:lnRef idx="2">
+            <a:schemeClr val="accent1">
+              <a:shade val="50000"/>
+            </a:schemeClr>
+          </a:lnRef>
+          <a:fillRef idx="1">
+            <a:schemeClr val="accent1"/>
+          </a:fillRef>
+          <a:effectRef idx="0">
+            <a:schemeClr val="accent1"/>
+          </a:effectRef>
+          <a:fontRef idx="minor">
+            <a:schemeClr val="lt1"/>
+          </a:fontRef>
+        </p:style>
+        <p:txBody>
+          <a:bodyPr rtlCol="0" anchor="ctr"/>
+          <a:lstStyle/>
+          <a:p>
+            <a:pPr algn="ctr"/>
+            <a:endParaRPr kumimoji="1" lang="ja-JP" altLang="en-US"/>
+          </a:p>
+        </p:txBody>
+      </p:sp>
     </p:spTree>
     <p:extLst>
       <p:ext uri="{BB962C8B-B14F-4D97-AF65-F5344CB8AC3E}">
-        <p14:creationId xmlns:p14="http://schemas.microsoft.com/office/powerpoint/2010/main" val="148493414"/>
+        <p14:creationId xmlns:p14="http://schemas.microsoft.com/office/powerpoint/2010/main" val="462697908"/>
       </p:ext>
     </p:extLst>
   </p:cSld>
   <p:clrMapOvr>
     <a:masterClrMapping/>
   </p:clrMapOvr>
+  <p:timing>
+    <p:tnLst>
+      <p:par>
+        <p:cTn id="1" dur="indefinite" restart="never" nodeType="tmRoot"/>
+      </p:par>
+    </p:tnLst>
+  </p:timing>
 </p:sld>
 </file>
 
@@ -4893,8 +6096,8 @@
         </p:nvSpPr>
         <p:spPr>
           <a:xfrm>
-            <a:off x="1" y="716776"/>
-            <a:ext cx="12191999" cy="4339650"/>
+            <a:off x="0" y="3726269"/>
+            <a:ext cx="12191999" cy="1323439"/>
           </a:xfrm>
           <a:prstGeom prst="rect">
             <a:avLst/>
@@ -4909,7 +6112,7 @@
           <a:p>
             <a:pPr algn="ctr"/>
             <a:r>
-              <a:rPr lang="ja-JP" altLang="en-US" sz="13800" b="1" dirty="0" smtClean="0">
+              <a:rPr kumimoji="1" lang="ja-JP" altLang="en-US" sz="8000" b="1" dirty="0" smtClean="0">
                 <a:solidFill>
                   <a:schemeClr val="bg1"/>
                 </a:solidFill>
@@ -4917,10 +6120,10 @@
                 <a:ea typeface="メイリオ" panose="020B0604030504040204" pitchFamily="50" charset="-128"/>
                 <a:cs typeface="メイリオ" panose="020B0604030504040204" pitchFamily="50" charset="-128"/>
               </a:rPr>
-              <a:t>就活</a:t>
-            </a:r>
-            <a:r>
-              <a:rPr lang="en-US" altLang="ja-JP" sz="13800" b="1" dirty="0" smtClean="0">
+              <a:t>福祉</a:t>
+            </a:r>
+            <a:r>
+              <a:rPr kumimoji="1" lang="en-US" altLang="ja-JP" sz="8000" b="1" dirty="0" smtClean="0">
                 <a:solidFill>
                   <a:schemeClr val="bg1"/>
                 </a:solidFill>
@@ -4930,11 +6133,8 @@
               </a:rPr>
               <a:t>/</a:t>
             </a:r>
-          </a:p>
-          <a:p>
-            <a:pPr algn="ctr"/>
-            <a:r>
-              <a:rPr lang="ja-JP" altLang="en-US" sz="13800" b="1" dirty="0" smtClean="0">
+            <a:r>
+              <a:rPr kumimoji="1" lang="ja-JP" altLang="en-US" sz="8000" b="1" dirty="0" smtClean="0">
                 <a:solidFill>
                   <a:schemeClr val="bg1"/>
                 </a:solidFill>
@@ -4942,9 +6142,9 @@
                 <a:ea typeface="メイリオ" panose="020B0604030504040204" pitchFamily="50" charset="-128"/>
                 <a:cs typeface="メイリオ" panose="020B0604030504040204" pitchFamily="50" charset="-128"/>
               </a:rPr>
-              <a:t>キャリア</a:t>
-            </a:r>
-            <a:endParaRPr kumimoji="1" lang="ja-JP" altLang="en-US" sz="13800" b="1" dirty="0">
+              <a:t>地域振興</a:t>
+            </a:r>
+            <a:endParaRPr kumimoji="1" lang="ja-JP" altLang="en-US" sz="8000" b="1" dirty="0">
               <a:solidFill>
                 <a:schemeClr val="bg1"/>
               </a:solidFill>
@@ -4955,16 +6155,123 @@
           </a:p>
         </p:txBody>
       </p:sp>
+      <p:sp>
+        <p:nvSpPr>
+          <p:cNvPr id="3" name="正方形/長方形 2"/>
+          <p:cNvSpPr/>
+          <p:nvPr/>
+        </p:nvSpPr>
+        <p:spPr>
+          <a:xfrm>
+            <a:off x="2283599" y="245839"/>
+            <a:ext cx="3240000" cy="3240000"/>
+          </a:xfrm>
+          <a:prstGeom prst="rect">
+            <a:avLst/>
+          </a:prstGeom>
+          <a:blipFill dpi="0" rotWithShape="1">
+            <a:blip r:embed="rId2"/>
+            <a:srcRect/>
+            <a:stretch>
+              <a:fillRect/>
+            </a:stretch>
+          </a:blipFill>
+          <a:ln>
+            <a:noFill/>
+          </a:ln>
+        </p:spPr>
+        <p:style>
+          <a:lnRef idx="2">
+            <a:schemeClr val="accent1">
+              <a:shade val="50000"/>
+            </a:schemeClr>
+          </a:lnRef>
+          <a:fillRef idx="1">
+            <a:schemeClr val="accent1"/>
+          </a:fillRef>
+          <a:effectRef idx="0">
+            <a:schemeClr val="accent1"/>
+          </a:effectRef>
+          <a:fontRef idx="minor">
+            <a:schemeClr val="lt1"/>
+          </a:fontRef>
+        </p:style>
+        <p:txBody>
+          <a:bodyPr rtlCol="0" anchor="ctr"/>
+          <a:lstStyle/>
+          <a:p>
+            <a:pPr algn="ctr"/>
+            <a:endParaRPr kumimoji="1" lang="ja-JP" altLang="en-US"/>
+          </a:p>
+        </p:txBody>
+      </p:sp>
+      <p:sp>
+        <p:nvSpPr>
+          <p:cNvPr id="4" name="正方形/長方形 3"/>
+          <p:cNvSpPr/>
+          <p:nvPr/>
+        </p:nvSpPr>
+        <p:spPr>
+          <a:xfrm>
+            <a:off x="6646931" y="245839"/>
+            <a:ext cx="3240000" cy="3240000"/>
+          </a:xfrm>
+          <a:prstGeom prst="rect">
+            <a:avLst/>
+          </a:prstGeom>
+          <a:blipFill dpi="0" rotWithShape="1">
+            <a:blip r:embed="rId3"/>
+            <a:srcRect/>
+            <a:stretch>
+              <a:fillRect/>
+            </a:stretch>
+          </a:blipFill>
+          <a:ln>
+            <a:noFill/>
+          </a:ln>
+        </p:spPr>
+        <p:style>
+          <a:lnRef idx="2">
+            <a:schemeClr val="accent1">
+              <a:shade val="50000"/>
+            </a:schemeClr>
+          </a:lnRef>
+          <a:fillRef idx="1">
+            <a:schemeClr val="accent1"/>
+          </a:fillRef>
+          <a:effectRef idx="0">
+            <a:schemeClr val="accent1"/>
+          </a:effectRef>
+          <a:fontRef idx="minor">
+            <a:schemeClr val="lt1"/>
+          </a:fontRef>
+        </p:style>
+        <p:txBody>
+          <a:bodyPr rtlCol="0" anchor="ctr"/>
+          <a:lstStyle/>
+          <a:p>
+            <a:pPr algn="ctr"/>
+            <a:endParaRPr kumimoji="1" lang="ja-JP" altLang="en-US"/>
+          </a:p>
+        </p:txBody>
+      </p:sp>
     </p:spTree>
     <p:extLst>
       <p:ext uri="{BB962C8B-B14F-4D97-AF65-F5344CB8AC3E}">
-        <p14:creationId xmlns:p14="http://schemas.microsoft.com/office/powerpoint/2010/main" val="3439736"/>
+        <p14:creationId xmlns:p14="http://schemas.microsoft.com/office/powerpoint/2010/main" val="3056442384"/>
       </p:ext>
     </p:extLst>
   </p:cSld>
   <p:clrMapOvr>
     <a:masterClrMapping/>
   </p:clrMapOvr>
+  <p:timing>
+    <p:tnLst>
+      <p:par>
+        <p:cTn id="1" dur="indefinite" restart="never" nodeType="tmRoot"/>
+      </p:par>
+    </p:tnLst>
+  </p:timing>
 </p:sld>
 </file>
 
@@ -5001,8 +6308,8 @@
         </p:nvSpPr>
         <p:spPr>
           <a:xfrm>
-            <a:off x="0" y="584200"/>
-            <a:ext cx="12191999" cy="4339650"/>
+            <a:off x="0" y="3726269"/>
+            <a:ext cx="12191999" cy="1323439"/>
           </a:xfrm>
           <a:prstGeom prst="rect">
             <a:avLst/>
@@ -5017,7 +6324,7 @@
           <a:p>
             <a:pPr algn="ctr"/>
             <a:r>
-              <a:rPr kumimoji="1" lang="ja-JP" altLang="en-US" sz="13800" b="1" dirty="0" smtClean="0">
+              <a:rPr lang="ja-JP" altLang="en-US" sz="8000" b="1" dirty="0" smtClean="0">
                 <a:solidFill>
                   <a:schemeClr val="bg1"/>
                 </a:solidFill>
@@ -5025,9 +6332,31 @@
                 <a:ea typeface="メイリオ" panose="020B0604030504040204" pitchFamily="50" charset="-128"/>
                 <a:cs typeface="メイリオ" panose="020B0604030504040204" pitchFamily="50" charset="-128"/>
               </a:rPr>
-              <a:t>イベントを</a:t>
-            </a:r>
-            <a:endParaRPr kumimoji="1" lang="en-US" altLang="ja-JP" sz="13800" b="1" dirty="0" smtClean="0">
+              <a:t>就活</a:t>
+            </a:r>
+            <a:r>
+              <a:rPr kumimoji="1" lang="en-US" altLang="ja-JP" sz="8000" b="1" dirty="0" smtClean="0">
+                <a:solidFill>
+                  <a:schemeClr val="bg1"/>
+                </a:solidFill>
+                <a:latin typeface="メイリオ" panose="020B0604030504040204" pitchFamily="50" charset="-128"/>
+                <a:ea typeface="メイリオ" panose="020B0604030504040204" pitchFamily="50" charset="-128"/>
+                <a:cs typeface="メイリオ" panose="020B0604030504040204" pitchFamily="50" charset="-128"/>
+              </a:rPr>
+              <a:t>/</a:t>
+            </a:r>
+            <a:r>
+              <a:rPr kumimoji="1" lang="ja-JP" altLang="en-US" sz="8000" b="1" dirty="0" smtClean="0">
+                <a:solidFill>
+                  <a:schemeClr val="bg1"/>
+                </a:solidFill>
+                <a:latin typeface="メイリオ" panose="020B0604030504040204" pitchFamily="50" charset="-128"/>
+                <a:ea typeface="メイリオ" panose="020B0604030504040204" pitchFamily="50" charset="-128"/>
+                <a:cs typeface="メイリオ" panose="020B0604030504040204" pitchFamily="50" charset="-128"/>
+              </a:rPr>
+              <a:t>キャリア</a:t>
+            </a:r>
+            <a:endParaRPr kumimoji="1" lang="ja-JP" altLang="en-US" sz="8000" b="1" dirty="0">
               <a:solidFill>
                 <a:schemeClr val="bg1"/>
               </a:solidFill>
@@ -5036,51 +6365,125 @@
               <a:cs typeface="メイリオ" panose="020B0604030504040204" pitchFamily="50" charset="-128"/>
             </a:endParaRPr>
           </a:p>
+        </p:txBody>
+      </p:sp>
+      <p:sp>
+        <p:nvSpPr>
+          <p:cNvPr id="3" name="正方形/長方形 2"/>
+          <p:cNvSpPr/>
+          <p:nvPr/>
+        </p:nvSpPr>
+        <p:spPr>
+          <a:xfrm>
+            <a:off x="2283599" y="245839"/>
+            <a:ext cx="3240000" cy="3240000"/>
+          </a:xfrm>
+          <a:prstGeom prst="rect">
+            <a:avLst/>
+          </a:prstGeom>
+          <a:blipFill dpi="0" rotWithShape="1">
+            <a:blip r:embed="rId2"/>
+            <a:srcRect/>
+            <a:stretch>
+              <a:fillRect/>
+            </a:stretch>
+          </a:blipFill>
+          <a:ln>
+            <a:noFill/>
+          </a:ln>
+        </p:spPr>
+        <p:style>
+          <a:lnRef idx="2">
+            <a:schemeClr val="accent1">
+              <a:shade val="50000"/>
+            </a:schemeClr>
+          </a:lnRef>
+          <a:fillRef idx="1">
+            <a:schemeClr val="accent1"/>
+          </a:fillRef>
+          <a:effectRef idx="0">
+            <a:schemeClr val="accent1"/>
+          </a:effectRef>
+          <a:fontRef idx="minor">
+            <a:schemeClr val="lt1"/>
+          </a:fontRef>
+        </p:style>
+        <p:txBody>
+          <a:bodyPr rtlCol="0" anchor="ctr"/>
+          <a:lstStyle/>
           <a:p>
             <a:pPr algn="ctr"/>
-            <a:r>
-              <a:rPr lang="ja-JP" altLang="en-US" sz="13800" b="1" dirty="0">
-                <a:solidFill>
-                  <a:schemeClr val="bg1"/>
-                </a:solidFill>
-                <a:latin typeface="メイリオ" panose="020B0604030504040204" pitchFamily="50" charset="-128"/>
-                <a:ea typeface="メイリオ" panose="020B0604030504040204" pitchFamily="50" charset="-128"/>
-                <a:cs typeface="メイリオ" panose="020B0604030504040204" pitchFamily="50" charset="-128"/>
-              </a:rPr>
-              <a:t>立ち上</a:t>
-            </a:r>
-            <a:r>
-              <a:rPr lang="ja-JP" altLang="en-US" sz="13800" b="1" dirty="0" smtClean="0">
-                <a:solidFill>
-                  <a:schemeClr val="bg1"/>
-                </a:solidFill>
-                <a:latin typeface="メイリオ" panose="020B0604030504040204" pitchFamily="50" charset="-128"/>
-                <a:ea typeface="メイリオ" panose="020B0604030504040204" pitchFamily="50" charset="-128"/>
-                <a:cs typeface="メイリオ" panose="020B0604030504040204" pitchFamily="50" charset="-128"/>
-              </a:rPr>
-              <a:t>げる</a:t>
-            </a:r>
-            <a:endParaRPr kumimoji="1" lang="ja-JP" altLang="en-US" sz="13800" b="1" dirty="0">
-              <a:solidFill>
-                <a:schemeClr val="bg1"/>
-              </a:solidFill>
-              <a:latin typeface="メイリオ" panose="020B0604030504040204" pitchFamily="50" charset="-128"/>
-              <a:ea typeface="メイリオ" panose="020B0604030504040204" pitchFamily="50" charset="-128"/>
-              <a:cs typeface="メイリオ" panose="020B0604030504040204" pitchFamily="50" charset="-128"/>
-            </a:endParaRPr>
+            <a:endParaRPr kumimoji="1" lang="ja-JP" altLang="en-US"/>
+          </a:p>
+        </p:txBody>
+      </p:sp>
+      <p:sp>
+        <p:nvSpPr>
+          <p:cNvPr id="4" name="正方形/長方形 3"/>
+          <p:cNvSpPr/>
+          <p:nvPr/>
+        </p:nvSpPr>
+        <p:spPr>
+          <a:xfrm>
+            <a:off x="6646931" y="245839"/>
+            <a:ext cx="3240000" cy="3240000"/>
+          </a:xfrm>
+          <a:prstGeom prst="rect">
+            <a:avLst/>
+          </a:prstGeom>
+          <a:blipFill dpi="0" rotWithShape="1">
+            <a:blip r:embed="rId3"/>
+            <a:srcRect/>
+            <a:stretch>
+              <a:fillRect/>
+            </a:stretch>
+          </a:blipFill>
+          <a:ln>
+            <a:noFill/>
+          </a:ln>
+        </p:spPr>
+        <p:style>
+          <a:lnRef idx="2">
+            <a:schemeClr val="accent1">
+              <a:shade val="50000"/>
+            </a:schemeClr>
+          </a:lnRef>
+          <a:fillRef idx="1">
+            <a:schemeClr val="accent1"/>
+          </a:fillRef>
+          <a:effectRef idx="0">
+            <a:schemeClr val="accent1"/>
+          </a:effectRef>
+          <a:fontRef idx="minor">
+            <a:schemeClr val="lt1"/>
+          </a:fontRef>
+        </p:style>
+        <p:txBody>
+          <a:bodyPr rtlCol="0" anchor="ctr"/>
+          <a:lstStyle/>
+          <a:p>
+            <a:pPr algn="ctr"/>
+            <a:endParaRPr kumimoji="1" lang="ja-JP" altLang="en-US"/>
           </a:p>
         </p:txBody>
       </p:sp>
     </p:spTree>
     <p:extLst>
       <p:ext uri="{BB962C8B-B14F-4D97-AF65-F5344CB8AC3E}">
-        <p14:creationId xmlns:p14="http://schemas.microsoft.com/office/powerpoint/2010/main" val="1405003659"/>
+        <p14:creationId xmlns:p14="http://schemas.microsoft.com/office/powerpoint/2010/main" val="3560079287"/>
       </p:ext>
     </p:extLst>
   </p:cSld>
   <p:clrMapOvr>
     <a:masterClrMapping/>
   </p:clrMapOvr>
+  <p:timing>
+    <p:tnLst>
+      <p:par>
+        <p:cTn id="1" dur="indefinite" restart="never" nodeType="tmRoot"/>
+      </p:par>
+    </p:tnLst>
+  </p:timing>
 </p:sld>
 </file>
 
@@ -5090,7 +6493,7 @@
     <p:bg>
       <p:bgPr>
         <a:solidFill>
-          <a:srgbClr val="DFBD42"/>
+          <a:srgbClr val="7DC691"/>
         </a:solidFill>
         <a:effectLst/>
       </p:bgPr>
@@ -5117,8 +6520,8 @@
         </p:nvSpPr>
         <p:spPr>
           <a:xfrm>
-            <a:off x="-2150534" y="1921933"/>
-            <a:ext cx="16442267" cy="1569660"/>
+            <a:off x="0" y="1359718"/>
+            <a:ext cx="12191999" cy="3154710"/>
           </a:xfrm>
           <a:prstGeom prst="rect">
             <a:avLst/>
@@ -5133,7 +6536,7 @@
           <a:p>
             <a:pPr algn="ctr"/>
             <a:r>
-              <a:rPr lang="ja-JP" altLang="en-US" sz="9600" b="1" smtClean="0">
+              <a:rPr kumimoji="1" lang="ja-JP" altLang="en-US" sz="19900" b="1" dirty="0" smtClean="0">
                 <a:solidFill>
                   <a:schemeClr val="bg1"/>
                 </a:solidFill>
@@ -5141,9 +6544,9 @@
                 <a:ea typeface="メイリオ" panose="020B0604030504040204" pitchFamily="50" charset="-128"/>
                 <a:cs typeface="メイリオ" panose="020B0604030504040204" pitchFamily="50" charset="-128"/>
               </a:rPr>
-              <a:t>イベントを作成する</a:t>
-            </a:r>
-            <a:endParaRPr kumimoji="1" lang="en-US" altLang="ja-JP" sz="9600" b="1" dirty="0" smtClean="0">
+              <a:t>全て</a:t>
+            </a:r>
+            <a:endParaRPr kumimoji="1" lang="ja-JP" altLang="en-US" sz="19900" b="1" dirty="0">
               <a:solidFill>
                 <a:schemeClr val="bg1"/>
               </a:solidFill>
@@ -5157,13 +6560,20 @@
     </p:spTree>
     <p:extLst>
       <p:ext uri="{BB962C8B-B14F-4D97-AF65-F5344CB8AC3E}">
-        <p14:creationId xmlns:p14="http://schemas.microsoft.com/office/powerpoint/2010/main" val="1785391214"/>
+        <p14:creationId xmlns:p14="http://schemas.microsoft.com/office/powerpoint/2010/main" val="1290579004"/>
       </p:ext>
     </p:extLst>
   </p:cSld>
   <p:clrMapOvr>
     <a:masterClrMapping/>
   </p:clrMapOvr>
+  <p:timing>
+    <p:tnLst>
+      <p:par>
+        <p:cTn id="1" dur="indefinite" restart="never" nodeType="tmRoot"/>
+      </p:par>
+    </p:tnLst>
+  </p:timing>
 </p:sld>
 </file>
 
@@ -5200,8 +6610,8 @@
         </p:nvSpPr>
         <p:spPr>
           <a:xfrm>
-            <a:off x="0" y="1359718"/>
-            <a:ext cx="12191999" cy="3154710"/>
+            <a:off x="0" y="584200"/>
+            <a:ext cx="12191999" cy="4339650"/>
           </a:xfrm>
           <a:prstGeom prst="rect">
             <a:avLst/>
@@ -5216,7 +6626,7 @@
           <a:p>
             <a:pPr algn="ctr"/>
             <a:r>
-              <a:rPr kumimoji="1" lang="ja-JP" altLang="en-US" sz="19900" b="1" dirty="0" smtClean="0">
+              <a:rPr kumimoji="1" lang="ja-JP" altLang="en-US" sz="13800" b="1" dirty="0" smtClean="0">
                 <a:solidFill>
                   <a:schemeClr val="bg1"/>
                 </a:solidFill>
@@ -5224,9 +6634,9 @@
                 <a:ea typeface="メイリオ" panose="020B0604030504040204" pitchFamily="50" charset="-128"/>
                 <a:cs typeface="メイリオ" panose="020B0604030504040204" pitchFamily="50" charset="-128"/>
               </a:rPr>
-              <a:t>全て</a:t>
-            </a:r>
-            <a:endParaRPr kumimoji="1" lang="ja-JP" altLang="en-US" sz="19900" b="1" dirty="0">
+              <a:t>掲示板を</a:t>
+            </a:r>
+            <a:endParaRPr kumimoji="1" lang="en-US" altLang="ja-JP" sz="13800" b="1" dirty="0" smtClean="0">
               <a:solidFill>
                 <a:schemeClr val="bg1"/>
               </a:solidFill>
@@ -5235,18 +6645,58 @@
               <a:cs typeface="メイリオ" panose="020B0604030504040204" pitchFamily="50" charset="-128"/>
             </a:endParaRPr>
           </a:p>
+          <a:p>
+            <a:pPr algn="ctr"/>
+            <a:r>
+              <a:rPr lang="ja-JP" altLang="en-US" sz="13800" b="1" dirty="0">
+                <a:solidFill>
+                  <a:schemeClr val="bg1"/>
+                </a:solidFill>
+                <a:latin typeface="メイリオ" panose="020B0604030504040204" pitchFamily="50" charset="-128"/>
+                <a:ea typeface="メイリオ" panose="020B0604030504040204" pitchFamily="50" charset="-128"/>
+                <a:cs typeface="メイリオ" panose="020B0604030504040204" pitchFamily="50" charset="-128"/>
+              </a:rPr>
+              <a:t>作成</a:t>
+            </a:r>
+            <a:r>
+              <a:rPr lang="ja-JP" altLang="en-US" sz="13800" b="1" dirty="0" smtClean="0">
+                <a:solidFill>
+                  <a:schemeClr val="bg1"/>
+                </a:solidFill>
+                <a:latin typeface="メイリオ" panose="020B0604030504040204" pitchFamily="50" charset="-128"/>
+                <a:ea typeface="メイリオ" panose="020B0604030504040204" pitchFamily="50" charset="-128"/>
+                <a:cs typeface="メイリオ" panose="020B0604030504040204" pitchFamily="50" charset="-128"/>
+              </a:rPr>
+              <a:t>する</a:t>
+            </a:r>
+            <a:endParaRPr kumimoji="1" lang="ja-JP" altLang="en-US" sz="13800" b="1" dirty="0">
+              <a:solidFill>
+                <a:schemeClr val="bg1"/>
+              </a:solidFill>
+              <a:latin typeface="メイリオ" panose="020B0604030504040204" pitchFamily="50" charset="-128"/>
+              <a:ea typeface="メイリオ" panose="020B0604030504040204" pitchFamily="50" charset="-128"/>
+              <a:cs typeface="メイリオ" panose="020B0604030504040204" pitchFamily="50" charset="-128"/>
+            </a:endParaRPr>
+          </a:p>
         </p:txBody>
       </p:sp>
     </p:spTree>
     <p:extLst>
       <p:ext uri="{BB962C8B-B14F-4D97-AF65-F5344CB8AC3E}">
-        <p14:creationId xmlns:p14="http://schemas.microsoft.com/office/powerpoint/2010/main" val="1290579004"/>
+        <p14:creationId xmlns:p14="http://schemas.microsoft.com/office/powerpoint/2010/main" val="1879118517"/>
       </p:ext>
     </p:extLst>
   </p:cSld>
   <p:clrMapOvr>
     <a:masterClrMapping/>
   </p:clrMapOvr>
+  <p:timing>
+    <p:tnLst>
+      <p:par>
+        <p:cTn id="1" dur="indefinite" restart="never" nodeType="tmRoot"/>
+      </p:par>
+    </p:tnLst>
+  </p:timing>
 </p:sld>
 </file>
 
